--- a/卒業論文/2012/増田知之/卒論中間.pptx
+++ b/卒業論文/2012/増田知之/卒論中間.pptx
@@ -4213,7 +4213,17 @@
           </a:p>
           <a:p>
             <a:r>
-              <a:rPr lang="ja-JP" altLang="ja-JP" sz="5000" dirty="0" smtClean="0">
+              <a:rPr lang="ja-JP" altLang="en-US" sz="4800" dirty="0" smtClean="0">
+                <a:solidFill>
+                  <a:schemeClr val="tx1"/>
+                </a:solidFill>
+                <a:latin typeface="Times New Roman" panose="02020603050405020304" pitchFamily="18" charset="0"/>
+                <a:cs typeface="Times New Roman" panose="02020603050405020304" pitchFamily="18" charset="0"/>
+              </a:rPr>
+              <a:t>　</a:t>
+            </a:r>
+            <a:r>
+              <a:rPr lang="ja-JP" altLang="ja-JP" sz="4800" dirty="0" smtClean="0">
                 <a:solidFill>
                   <a:schemeClr val="tx1"/>
                 </a:solidFill>
@@ -4223,7 +4233,7 @@
               <a:t>アプリ</a:t>
             </a:r>
             <a:r>
-              <a:rPr lang="ja-JP" altLang="ja-JP" sz="5000" dirty="0">
+              <a:rPr lang="ja-JP" altLang="ja-JP" sz="4800" dirty="0">
                 <a:solidFill>
                   <a:schemeClr val="tx1"/>
                 </a:solidFill>
@@ -4233,7 +4243,7 @@
               <a:t>の無料・有料ランキングデータを毎日</a:t>
             </a:r>
             <a:r>
-              <a:rPr lang="en-US" altLang="ja-JP" sz="5000" dirty="0">
+              <a:rPr lang="en-US" altLang="ja-JP" sz="4800" dirty="0">
                 <a:solidFill>
                   <a:schemeClr val="tx1"/>
                 </a:solidFill>
@@ -4243,7 +4253,7 @@
               <a:t>18</a:t>
             </a:r>
             <a:r>
-              <a:rPr lang="ja-JP" altLang="ja-JP" sz="5000" dirty="0">
+              <a:rPr lang="ja-JP" altLang="ja-JP" sz="4800" dirty="0">
                 <a:solidFill>
                   <a:schemeClr val="tx1"/>
                 </a:solidFill>
@@ -4255,7 +4265,7 @@
           </a:p>
           <a:p>
             <a:r>
-              <a:rPr lang="ja-JP" altLang="ja-JP" sz="5000" dirty="0">
+              <a:rPr lang="ja-JP" altLang="ja-JP" sz="4800" dirty="0">
                 <a:solidFill>
                   <a:schemeClr val="tx1"/>
                 </a:solidFill>
@@ -4267,14 +4277,34 @@
           </a:p>
           <a:p>
             <a:r>
-              <a:rPr lang="ja-JP" altLang="ja-JP" sz="5000" dirty="0">
+              <a:rPr lang="ja-JP" altLang="en-US" sz="4800" dirty="0" smtClean="0">
                 <a:solidFill>
                   <a:schemeClr val="tx1"/>
                 </a:solidFill>
                 <a:latin typeface="Times New Roman" panose="02020603050405020304" pitchFamily="18" charset="0"/>
                 <a:cs typeface="Times New Roman" panose="02020603050405020304" pitchFamily="18" charset="0"/>
               </a:rPr>
-              <a:t>取得するデータの各層度がランキングに与える影響をモデルのパラメータとして，実データを最もよく再現するようなパラメータの組み合わせを見つければ，それによってアプリの売上を説明することができると期待される．</a:t>
+              <a:t>　</a:t>
+            </a:r>
+            <a:r>
+              <a:rPr lang="ja-JP" altLang="ja-JP" sz="4800" dirty="0" smtClean="0">
+                <a:solidFill>
+                  <a:schemeClr val="tx1"/>
+                </a:solidFill>
+                <a:latin typeface="Times New Roman" panose="02020603050405020304" pitchFamily="18" charset="0"/>
+                <a:cs typeface="Times New Roman" panose="02020603050405020304" pitchFamily="18" charset="0"/>
+              </a:rPr>
+              <a:t>取得</a:t>
+            </a:r>
+            <a:r>
+              <a:rPr lang="ja-JP" altLang="ja-JP" sz="4800" dirty="0">
+                <a:solidFill>
+                  <a:schemeClr val="tx1"/>
+                </a:solidFill>
+                <a:latin typeface="Times New Roman" panose="02020603050405020304" pitchFamily="18" charset="0"/>
+                <a:cs typeface="Times New Roman" panose="02020603050405020304" pitchFamily="18" charset="0"/>
+              </a:rPr>
+              <a:t>するデータの各層度がランキングに与える影響をモデルのパラメータとして，実データを最もよく再現するようなパラメータの組み合わせを見つければ，それによってアプリの売上を説明することができると期待される．</a:t>
             </a:r>
           </a:p>
           <a:p>
@@ -4637,14 +4667,14 @@
           <p:nvPr>
             <p:extLst>
               <p:ext uri="{D42A27DB-BD31-4B8C-83A1-F6EECF244321}">
-                <p14:modId xmlns:p14="http://schemas.microsoft.com/office/powerpoint/2010/main" val="943886441"/>
+                <p14:modId xmlns:p14="http://schemas.microsoft.com/office/powerpoint/2010/main" val="1425494565"/>
               </p:ext>
             </p:extLst>
           </p:nvPr>
         </p:nvGraphicFramePr>
         <p:xfrm>
-          <a:off x="1080478" y="21594036"/>
-          <a:ext cx="19478018" cy="8379599"/>
+          <a:off x="11557496" y="21897975"/>
+          <a:ext cx="9540913" cy="8382000"/>
         </p:xfrm>
         <a:graphic>
           <a:graphicData uri="http://schemas.openxmlformats.org/drawingml/2006/table">
@@ -4653,10 +4683,10 @@
                 <a:tableStyleId>{5C22544A-7EE6-4342-B048-85BDC9FD1C3A}</a:tableStyleId>
               </a:tblPr>
               <a:tblGrid>
-                <a:gridCol w="2325736"/>
-                <a:gridCol w="17152282"/>
+                <a:gridCol w="1139215"/>
+                <a:gridCol w="8401698"/>
               </a:tblGrid>
-              <a:tr h="1283970">
+              <a:tr h="980113">
                 <a:tc>
                   <a:txBody>
                     <a:bodyPr/>
@@ -4724,7 +4754,7 @@
                   <a:tcPr/>
                 </a:tc>
               </a:tr>
-              <a:tr h="1277439">
+              <a:tr h="1071287">
                 <a:tc>
                   <a:txBody>
                     <a:bodyPr/>
@@ -4748,13 +4778,13 @@
                         <a:defRPr/>
                       </a:pPr>
                       <a:r>
-                        <a:rPr kumimoji="1" lang="ja-JP" altLang="en-US" sz="4800" b="0" dirty="0" smtClean="0">
+                        <a:rPr kumimoji="1" lang="ja-JP" altLang="en-US" sz="4400" b="0" dirty="0" smtClean="0">
                           <a:latin typeface="Times New Roman" panose="02020603050405020304" pitchFamily="18" charset="0"/>
                           <a:cs typeface="Times New Roman" panose="02020603050405020304" pitchFamily="18" charset="0"/>
                         </a:rPr>
                         <a:t>①</a:t>
                       </a:r>
-                      <a:endParaRPr kumimoji="1" lang="en-US" altLang="ja-JP" sz="4800" b="0" dirty="0" smtClean="0">
+                      <a:endParaRPr kumimoji="1" lang="en-US" altLang="ja-JP" sz="4400" b="0" dirty="0" smtClean="0">
                         <a:latin typeface="Times New Roman" panose="02020603050405020304" pitchFamily="18" charset="0"/>
                         <a:cs typeface="Times New Roman" panose="02020603050405020304" pitchFamily="18" charset="0"/>
                       </a:endParaRPr>
@@ -4785,7 +4815,7 @@
                         <a:defRPr/>
                       </a:pPr>
                       <a:r>
-                        <a:rPr kumimoji="1" lang="ja-JP" altLang="ja-JP" sz="4800" kern="1200" dirty="0" smtClean="0">
+                        <a:rPr kumimoji="1" lang="ja-JP" altLang="ja-JP" sz="4400" kern="1200" dirty="0" smtClean="0">
                           <a:solidFill>
                             <a:schemeClr val="dk1"/>
                           </a:solidFill>
@@ -4796,7 +4826,7 @@
                         </a:rPr>
                         <a:t>レビューのデータを取得する方法を確認する</a:t>
                       </a:r>
-                      <a:endParaRPr kumimoji="1" lang="en-US" altLang="ja-JP" sz="4800" dirty="0" smtClean="0">
+                      <a:endParaRPr kumimoji="1" lang="en-US" altLang="ja-JP" sz="4400" dirty="0" smtClean="0">
                         <a:latin typeface="Times New Roman" panose="02020603050405020304" pitchFamily="18" charset="0"/>
                         <a:cs typeface="Times New Roman" panose="02020603050405020304" pitchFamily="18" charset="0"/>
                       </a:endParaRPr>
@@ -4805,7 +4835,7 @@
                   <a:tcPr/>
                 </a:tc>
               </a:tr>
-              <a:tr h="1666428">
+              <a:tr h="1572740">
                 <a:tc>
                   <a:txBody>
                     <a:bodyPr/>
@@ -4829,13 +4859,13 @@
                         <a:defRPr/>
                       </a:pPr>
                       <a:r>
-                        <a:rPr kumimoji="1" lang="ja-JP" altLang="en-US" sz="4800" dirty="0" smtClean="0">
+                        <a:rPr kumimoji="1" lang="ja-JP" altLang="en-US" sz="4400" dirty="0" smtClean="0">
                           <a:latin typeface="Times New Roman" panose="02020603050405020304" pitchFamily="18" charset="0"/>
                           <a:cs typeface="Times New Roman" panose="02020603050405020304" pitchFamily="18" charset="0"/>
                         </a:rPr>
                         <a:t>②</a:t>
                       </a:r>
-                      <a:endParaRPr kumimoji="1" lang="en-US" altLang="ja-JP" sz="4800" dirty="0" smtClean="0">
+                      <a:endParaRPr kumimoji="1" lang="en-US" altLang="ja-JP" sz="4400" dirty="0" smtClean="0">
                         <a:latin typeface="Times New Roman" panose="02020603050405020304" pitchFamily="18" charset="0"/>
                         <a:cs typeface="Times New Roman" panose="02020603050405020304" pitchFamily="18" charset="0"/>
                       </a:endParaRPr>
@@ -4866,7 +4896,7 @@
                         <a:defRPr/>
                       </a:pPr>
                       <a:r>
-                        <a:rPr kumimoji="1" lang="ja-JP" altLang="ja-JP" sz="4800" kern="1200" dirty="0" smtClean="0">
+                        <a:rPr kumimoji="1" lang="ja-JP" altLang="ja-JP" sz="4400" kern="1200" dirty="0" smtClean="0">
                           <a:solidFill>
                             <a:schemeClr val="dk1"/>
                           </a:solidFill>
@@ -4877,7 +4907,7 @@
                         </a:rPr>
                         <a:t>ランキングとレビューを自動的に取得するプログラムを開発し，データを取得する</a:t>
                       </a:r>
-                      <a:endParaRPr kumimoji="1" lang="en-US" altLang="ja-JP" sz="4800" dirty="0" smtClean="0">
+                      <a:endParaRPr kumimoji="1" lang="en-US" altLang="ja-JP" sz="4400" dirty="0" smtClean="0">
                         <a:latin typeface="Times New Roman" panose="02020603050405020304" pitchFamily="18" charset="0"/>
                         <a:cs typeface="Times New Roman" panose="02020603050405020304" pitchFamily="18" charset="0"/>
                       </a:endParaRPr>
@@ -4886,7 +4916,7 @@
                   <a:tcPr/>
                 </a:tc>
               </a:tr>
-              <a:tr h="1666428">
+              <a:tr h="1071287">
                 <a:tc>
                   <a:txBody>
                     <a:bodyPr/>
@@ -4910,13 +4940,13 @@
                         <a:defRPr/>
                       </a:pPr>
                       <a:r>
-                        <a:rPr kumimoji="1" lang="ja-JP" altLang="en-US" sz="4800" dirty="0" smtClean="0">
+                        <a:rPr kumimoji="1" lang="ja-JP" altLang="en-US" sz="4400" dirty="0" smtClean="0">
                           <a:latin typeface="Times New Roman" panose="02020603050405020304" pitchFamily="18" charset="0"/>
                           <a:cs typeface="Times New Roman" panose="02020603050405020304" pitchFamily="18" charset="0"/>
                         </a:rPr>
                         <a:t>③</a:t>
                       </a:r>
-                      <a:endParaRPr kumimoji="1" lang="en-US" altLang="ja-JP" sz="4800" dirty="0" smtClean="0">
+                      <a:endParaRPr kumimoji="1" lang="en-US" altLang="ja-JP" sz="4400" dirty="0" smtClean="0">
                         <a:latin typeface="Times New Roman" panose="02020603050405020304" pitchFamily="18" charset="0"/>
                         <a:cs typeface="Times New Roman" panose="02020603050405020304" pitchFamily="18" charset="0"/>
                       </a:endParaRPr>
@@ -4947,7 +4977,7 @@
                         <a:defRPr/>
                       </a:pPr>
                       <a:r>
-                        <a:rPr kumimoji="1" lang="ja-JP" altLang="ja-JP" sz="4800" kern="1200" dirty="0" smtClean="0">
+                        <a:rPr kumimoji="1" lang="ja-JP" altLang="ja-JP" sz="4400" kern="1200" dirty="0" smtClean="0">
                           <a:solidFill>
                             <a:schemeClr val="dk1"/>
                           </a:solidFill>
@@ -4958,7 +4988,7 @@
                         </a:rPr>
                         <a:t>ランキングとレビューの関係を表現するようなモデルを考える．</a:t>
                       </a:r>
-                      <a:endParaRPr kumimoji="1" lang="en-US" altLang="ja-JP" sz="4800" dirty="0" smtClean="0">
+                      <a:endParaRPr kumimoji="1" lang="en-US" altLang="ja-JP" sz="4400" dirty="0" smtClean="0">
                         <a:latin typeface="Times New Roman" panose="02020603050405020304" pitchFamily="18" charset="0"/>
                         <a:cs typeface="Times New Roman" panose="02020603050405020304" pitchFamily="18" charset="0"/>
                       </a:endParaRPr>
@@ -4967,7 +4997,7 @@
                   <a:tcPr/>
                 </a:tc>
               </a:tr>
-              <a:tr h="2458664">
+              <a:tr h="2074193">
                 <a:tc>
                   <a:txBody>
                     <a:bodyPr/>
@@ -4991,7 +5021,7 @@
                         <a:defRPr/>
                       </a:pPr>
                       <a:r>
-                        <a:rPr kumimoji="1" lang="ja-JP" altLang="en-US" sz="4800" dirty="0" smtClean="0">
+                        <a:rPr kumimoji="1" lang="ja-JP" altLang="en-US" sz="4400" dirty="0" smtClean="0">
                           <a:latin typeface="Times New Roman" panose="02020603050405020304" pitchFamily="18" charset="0"/>
                           <a:cs typeface="Times New Roman" panose="02020603050405020304" pitchFamily="18" charset="0"/>
                         </a:rPr>
@@ -5024,7 +5054,7 @@
                         <a:defRPr/>
                       </a:pPr>
                       <a:r>
-                        <a:rPr kumimoji="1" lang="ja-JP" altLang="ja-JP" sz="4800" kern="1200" dirty="0" smtClean="0">
+                        <a:rPr kumimoji="1" lang="ja-JP" altLang="ja-JP" sz="4400" kern="1200" dirty="0" smtClean="0">
                           <a:solidFill>
                             <a:schemeClr val="dk1"/>
                           </a:solidFill>
@@ -5033,29 +5063,27 @@
                           <a:ea typeface="+mn-ea"/>
                           <a:cs typeface="Times New Roman" panose="02020603050405020304" pitchFamily="18" charset="0"/>
                         </a:rPr>
-                        <a:t>モデルをデータにあてはめ、レビューとランキングの関係を明らかにする．</a:t>
-                      </a:r>
-                    </a:p>
-                    <a:p>
-                      <a:pPr marL="0" marR="0" indent="0" algn="l" defTabSz="2952323" rtl="0" eaLnBrk="1" fontAlgn="auto" latinLnBrk="0" hangingPunct="1">
-                        <a:lnSpc>
-                          <a:spcPct val="100000"/>
-                        </a:lnSpc>
-                        <a:spcBef>
-                          <a:spcPts val="0"/>
-                        </a:spcBef>
-                        <a:spcAft>
-                          <a:spcPts val="0"/>
-                        </a:spcAft>
-                        <a:buClrTx/>
-                        <a:buSzTx/>
-                        <a:buFontTx/>
-                        <a:buNone/>
-                        <a:tabLst/>
-                        <a:defRPr/>
-                      </a:pPr>
-                      <a:endParaRPr kumimoji="1" lang="ja-JP" altLang="en-US" sz="4800" dirty="0" smtClean="0">
-                        <a:latin typeface="Times New Roman" panose="02020603050405020304" pitchFamily="18" charset="0"/>
+                        <a:t>モデルをデータにあてはめ、レビューとランキングの関係を明らかにする</a:t>
+                      </a:r>
+                      <a:r>
+                        <a:rPr kumimoji="1" lang="ja-JP" altLang="ja-JP" sz="4400" kern="1200" dirty="0" smtClean="0">
+                          <a:solidFill>
+                            <a:schemeClr val="dk1"/>
+                          </a:solidFill>
+                          <a:effectLst/>
+                          <a:latin typeface="Times New Roman" panose="02020603050405020304" pitchFamily="18" charset="0"/>
+                          <a:ea typeface="+mn-ea"/>
+                          <a:cs typeface="Times New Roman" panose="02020603050405020304" pitchFamily="18" charset="0"/>
+                        </a:rPr>
+                        <a:t>．</a:t>
+                      </a:r>
+                      <a:endParaRPr kumimoji="1" lang="ja-JP" altLang="ja-JP" sz="4400" kern="1200" dirty="0" smtClean="0">
+                        <a:solidFill>
+                          <a:schemeClr val="dk1"/>
+                        </a:solidFill>
+                        <a:effectLst/>
+                        <a:latin typeface="Times New Roman" panose="02020603050405020304" pitchFamily="18" charset="0"/>
+                        <a:ea typeface="+mn-ea"/>
                         <a:cs typeface="Times New Roman" panose="02020603050405020304" pitchFamily="18" charset="0"/>
                       </a:endParaRPr>
                     </a:p>
@@ -5541,7 +5569,7 @@
           <p:nvPr>
             <p:extLst>
               <p:ext uri="{D42A27DB-BD31-4B8C-83A1-F6EECF244321}">
-                <p14:modId xmlns:p14="http://schemas.microsoft.com/office/powerpoint/2010/main" val="2437408675"/>
+                <p14:modId xmlns:p14="http://schemas.microsoft.com/office/powerpoint/2010/main" val="906677583"/>
               </p:ext>
             </p:extLst>
           </p:nvPr>
@@ -6105,14 +6133,7 @@
                           <a:latin typeface="Times New Roman" panose="02020603050405020304" pitchFamily="18" charset="0"/>
                           <a:cs typeface="Times New Roman" panose="02020603050405020304" pitchFamily="18" charset="0"/>
                         </a:rPr>
-                        <a:t>ウォーリー　ハリウッドへ</a:t>
-                      </a:r>
-                      <a:r>
-                        <a:rPr kumimoji="1" lang="ja-JP" altLang="en-US" sz="4400" dirty="0" err="1" smtClean="0">
-                          <a:latin typeface="Times New Roman" panose="02020603050405020304" pitchFamily="18" charset="0"/>
-                          <a:cs typeface="Times New Roman" panose="02020603050405020304" pitchFamily="18" charset="0"/>
-                        </a:rPr>
-                        <a:t>い</a:t>
+                        <a:t>ウォーリー　</a:t>
                       </a:r>
                       <a:endParaRPr kumimoji="1" lang="ja-JP" altLang="en-US" sz="4400" dirty="0">
                         <a:latin typeface="Times New Roman" panose="02020603050405020304" pitchFamily="18" charset="0"/>
@@ -7083,6 +7104,104 @@
               <a:latin typeface="+mj-ea"/>
               <a:ea typeface="+mj-ea"/>
             </a:endParaRPr>
+          </a:p>
+        </p:txBody>
+      </p:sp>
+      <p:sp>
+        <p:nvSpPr>
+          <p:cNvPr id="4" name="角丸四角形 3"/>
+          <p:cNvSpPr/>
+          <p:nvPr/>
+        </p:nvSpPr>
+        <p:spPr>
+          <a:xfrm>
+            <a:off x="684288" y="22052755"/>
+            <a:ext cx="10333295" cy="7920880"/>
+          </a:xfrm>
+          <a:prstGeom prst="roundRect">
+            <a:avLst/>
+          </a:prstGeom>
+        </p:spPr>
+        <p:style>
+          <a:lnRef idx="2">
+            <a:schemeClr val="accent6"/>
+          </a:lnRef>
+          <a:fillRef idx="1">
+            <a:schemeClr val="lt1"/>
+          </a:fillRef>
+          <a:effectRef idx="0">
+            <a:schemeClr val="accent6"/>
+          </a:effectRef>
+          <a:fontRef idx="minor">
+            <a:schemeClr val="dk1"/>
+          </a:fontRef>
+        </p:style>
+        <p:txBody>
+          <a:bodyPr rtlCol="0" anchor="ctr"/>
+          <a:lstStyle/>
+          <a:p>
+            <a:pPr algn="ctr"/>
+            <a:r>
+              <a:rPr kumimoji="1" lang="ja-JP" altLang="en-US" sz="4800" dirty="0" smtClean="0"/>
+              <a:t>「</a:t>
+            </a:r>
+            <a:r>
+              <a:rPr kumimoji="1" lang="en-US" altLang="ja-JP" sz="4800" dirty="0" smtClean="0"/>
+              <a:t>OS</a:t>
+            </a:r>
+            <a:r>
+              <a:rPr kumimoji="1" lang="ja-JP" altLang="en-US" sz="4800" dirty="0" smtClean="0"/>
+              <a:t>別アプリ」とは，</a:t>
+            </a:r>
+            <a:r>
+              <a:rPr lang="en-US" altLang="ja-JP" sz="4800" dirty="0" smtClean="0"/>
+              <a:t>App Store</a:t>
+            </a:r>
+            <a:r>
+              <a:rPr lang="ja-JP" altLang="en-US" sz="4800" dirty="0" smtClean="0"/>
+              <a:t>・</a:t>
+            </a:r>
+            <a:r>
+              <a:rPr lang="en-US" altLang="ja-JP" sz="4800" dirty="0" smtClean="0"/>
+              <a:t>Play</a:t>
+            </a:r>
+            <a:r>
+              <a:rPr lang="ja-JP" altLang="en-US" sz="4800" dirty="0" smtClean="0"/>
+              <a:t>ストアの有料・無料のランキングを</a:t>
+            </a:r>
+            <a:r>
+              <a:rPr lang="en-US" altLang="ja-JP" sz="4800" dirty="0" smtClean="0"/>
+              <a:t>10</a:t>
+            </a:r>
+            <a:r>
+              <a:rPr lang="ja-JP" altLang="en-US" sz="4800" dirty="0" smtClean="0"/>
+              <a:t>月</a:t>
+            </a:r>
+            <a:r>
+              <a:rPr lang="en-US" altLang="ja-JP" sz="4800" dirty="0" smtClean="0"/>
+              <a:t>1</a:t>
+            </a:r>
+            <a:r>
+              <a:rPr lang="ja-JP" altLang="en-US" sz="4800" dirty="0" smtClean="0"/>
+              <a:t>日から</a:t>
+            </a:r>
+            <a:r>
+              <a:rPr lang="en-US" altLang="ja-JP" sz="4800" dirty="0" smtClean="0"/>
+              <a:t>10</a:t>
+            </a:r>
+            <a:r>
+              <a:rPr lang="ja-JP" altLang="en-US" sz="4800" dirty="0" smtClean="0"/>
+              <a:t>月</a:t>
+            </a:r>
+            <a:r>
+              <a:rPr lang="en-US" altLang="ja-JP" sz="4800" dirty="0" smtClean="0"/>
+              <a:t>8</a:t>
+            </a:r>
+            <a:r>
+              <a:rPr lang="ja-JP" altLang="en-US" sz="4800" dirty="0" smtClean="0"/>
+              <a:t>日の現時点での最新のデータであり，このデータからランキングやレビューを読み取り，どのような自動取得プログラムが最適なのか・上位にあるアプリのランキングとレビューの関係性を調査する．</a:t>
+            </a:r>
+            <a:endParaRPr kumimoji="1" lang="ja-JP" altLang="en-US" sz="4800" dirty="0"/>
           </a:p>
         </p:txBody>
       </p:sp>

--- a/卒業論文/2012/増田知之/卒論中間.pptx
+++ b/卒業論文/2012/増田知之/卒論中間.pptx
@@ -109,6 +109,67 @@
 </file>
 
 <file path=ppt/charts/chart1.xml><?xml version="1.0" encoding="utf-8"?>
+<c:chartSpace xmlns:c="http://schemas.openxmlformats.org/drawingml/2006/chart" xmlns:a="http://schemas.openxmlformats.org/drawingml/2006/main" xmlns:r="http://schemas.openxmlformats.org/officeDocument/2006/relationships">
+  <c:date1904 val="0"/>
+  <c:lang val="ja-JP"/>
+  <c:roundedCorners val="0"/>
+  <mc:AlternateContent xmlns:mc="http://schemas.openxmlformats.org/markup-compatibility/2006">
+    <mc:Choice xmlns:c14="http://schemas.microsoft.com/office/drawing/2007/8/2/chart" Requires="c14">
+      <c14:style val="102"/>
+    </mc:Choice>
+    <mc:Fallback>
+      <c:style val="2"/>
+    </mc:Fallback>
+  </mc:AlternateContent>
+  <c:chart>
+    <c:autoTitleDeleted val="1"/>
+    <c:plotArea>
+      <c:layout>
+        <c:manualLayout>
+          <c:layoutTarget val="inner"/>
+          <c:xMode val="edge"/>
+          <c:yMode val="edge"/>
+          <c:x val="0.14735721154832762"/>
+          <c:y val="9.5800899856570657E-2"/>
+          <c:w val="0.55134266690674216"/>
+          <c:h val="0.8846817683686139"/>
+        </c:manualLayout>
+      </c:layout>
+      <c:pieChart>
+        <c:varyColors val="1"/>
+        <c:dLbls>
+          <c:showLegendKey val="0"/>
+          <c:showVal val="0"/>
+          <c:showCatName val="0"/>
+          <c:showSerName val="0"/>
+          <c:showPercent val="0"/>
+          <c:showBubbleSize val="0"/>
+          <c:showLeaderLines val="1"/>
+        </c:dLbls>
+        <c:firstSliceAng val="0"/>
+      </c:pieChart>
+    </c:plotArea>
+    <c:plotVisOnly val="1"/>
+    <c:dispBlanksAs val="gap"/>
+    <c:showDLblsOverMax val="0"/>
+  </c:chart>
+  <c:txPr>
+    <a:bodyPr/>
+    <a:lstStyle/>
+    <a:p>
+      <a:pPr>
+        <a:defRPr sz="1800"/>
+      </a:pPr>
+      <a:endParaRPr lang="ja-JP"/>
+    </a:p>
+  </c:txPr>
+  <c:externalData r:id="rId1">
+    <c:autoUpdate val="0"/>
+  </c:externalData>
+</c:chartSpace>
+</file>
+
+<file path=ppt/charts/chart2.xml><?xml version="1.0" encoding="utf-8"?>
 <c:chartSpace xmlns:c="http://schemas.openxmlformats.org/drawingml/2006/chart" xmlns:a="http://schemas.openxmlformats.org/drawingml/2006/main" xmlns:r="http://schemas.openxmlformats.org/officeDocument/2006/relationships">
   <c:date1904 val="0"/>
   <c:lang val="ja-JP"/>
@@ -288,7 +349,7 @@
 </c:chartSpace>
 </file>
 
-<file path=ppt/charts/chart2.xml><?xml version="1.0" encoding="utf-8"?>
+<file path=ppt/charts/chart3.xml><?xml version="1.0" encoding="utf-8"?>
 <c:chartSpace xmlns:c="http://schemas.openxmlformats.org/drawingml/2006/chart" xmlns:a="http://schemas.openxmlformats.org/drawingml/2006/main" xmlns:r="http://schemas.openxmlformats.org/officeDocument/2006/relationships">
   <c:date1904 val="0"/>
   <c:lang val="ja-JP"/>
@@ -3724,150 +3785,6 @@
           <a:chExt cx="0" cy="0"/>
         </a:xfrm>
       </p:grpSpPr>
-      <p:sp>
-        <p:nvSpPr>
-          <p:cNvPr id="3" name="サブタイトル 2"/>
-          <p:cNvSpPr>
-            <a:spLocks noGrp="1"/>
-          </p:cNvSpPr>
-          <p:nvPr>
-            <p:ph type="subTitle" idx="1"/>
-          </p:nvPr>
-        </p:nvSpPr>
-        <p:spPr>
-          <a:xfrm>
-            <a:off x="-146920" y="12767063"/>
-            <a:ext cx="21386800" cy="1217601"/>
-          </a:xfrm>
-        </p:spPr>
-        <p:txBody>
-          <a:bodyPr>
-            <a:noAutofit/>
-          </a:bodyPr>
-          <a:lstStyle/>
-          <a:p>
-            <a:pPr algn="ctr"/>
-            <a:r>
-              <a:rPr lang="ja-JP" altLang="en-US" sz="4800" dirty="0">
-                <a:solidFill>
-                  <a:schemeClr val="tx1"/>
-                </a:solidFill>
-                <a:latin typeface="+mn-ea"/>
-              </a:rPr>
-              <a:t>スマートフォン向け </a:t>
-            </a:r>
-            <a:r>
-              <a:rPr lang="en-US" altLang="ja-JP" sz="4800" dirty="0">
-                <a:solidFill>
-                  <a:schemeClr val="tx1"/>
-                </a:solidFill>
-                <a:latin typeface="+mn-ea"/>
-              </a:rPr>
-              <a:t>OS </a:t>
-            </a:r>
-            <a:r>
-              <a:rPr lang="ja-JP" altLang="en-US" sz="4800" dirty="0">
-                <a:solidFill>
-                  <a:schemeClr val="tx1"/>
-                </a:solidFill>
-                <a:latin typeface="+mn-ea"/>
-              </a:rPr>
-              <a:t>の</a:t>
-            </a:r>
-            <a:r>
-              <a:rPr lang="ja-JP" altLang="en-US" sz="4800" dirty="0" smtClean="0">
-                <a:solidFill>
-                  <a:schemeClr val="tx1"/>
-                </a:solidFill>
-                <a:latin typeface="+mn-ea"/>
-              </a:rPr>
-              <a:t>市場の普及率</a:t>
-            </a:r>
-            <a:endParaRPr lang="en-US" altLang="ja-JP" sz="4800" dirty="0" smtClean="0">
-              <a:solidFill>
-                <a:schemeClr val="tx1"/>
-              </a:solidFill>
-              <a:latin typeface="+mn-ea"/>
-            </a:endParaRPr>
-          </a:p>
-          <a:p>
-            <a:pPr algn="r"/>
-            <a:r>
-              <a:rPr lang="ja-JP" altLang="en-US" sz="4800" dirty="0" smtClean="0">
-                <a:solidFill>
-                  <a:schemeClr val="tx1"/>
-                </a:solidFill>
-                <a:latin typeface="+mn-ea"/>
-              </a:rPr>
-              <a:t>　　　　　　出典：インターネットコム</a:t>
-            </a:r>
-            <a:endParaRPr lang="en-US" altLang="ja-JP" sz="4800" dirty="0">
-              <a:solidFill>
-                <a:schemeClr val="tx1"/>
-              </a:solidFill>
-              <a:latin typeface="+mn-ea"/>
-            </a:endParaRPr>
-          </a:p>
-        </p:txBody>
-      </p:sp>
-      <p:sp>
-        <p:nvSpPr>
-          <p:cNvPr id="10" name="テキスト ボックス 9"/>
-          <p:cNvSpPr txBox="1"/>
-          <p:nvPr/>
-        </p:nvSpPr>
-        <p:spPr>
-          <a:xfrm>
-            <a:off x="7523916" y="5053685"/>
-            <a:ext cx="5904656" cy="1569660"/>
-          </a:xfrm>
-          <a:prstGeom prst="rect">
-            <a:avLst/>
-          </a:prstGeom>
-          <a:noFill/>
-        </p:spPr>
-        <p:txBody>
-          <a:bodyPr wrap="square" rtlCol="0">
-            <a:spAutoFit/>
-          </a:bodyPr>
-          <a:lstStyle/>
-          <a:p>
-            <a:r>
-              <a:rPr kumimoji="1" lang="ja-JP" altLang="en-US" sz="9600" dirty="0" smtClean="0">
-                <a:latin typeface="+mj-ea"/>
-                <a:ea typeface="+mj-ea"/>
-              </a:rPr>
-              <a:t>研究背景</a:t>
-            </a:r>
-            <a:endParaRPr kumimoji="1" lang="ja-JP" altLang="en-US" sz="9600" dirty="0">
-              <a:latin typeface="+mj-ea"/>
-              <a:ea typeface="+mj-ea"/>
-            </a:endParaRPr>
-          </a:p>
-        </p:txBody>
-      </p:sp>
-      <p:graphicFrame>
-        <p:nvGraphicFramePr>
-          <p:cNvPr id="11" name="グラフ 10"/>
-          <p:cNvGraphicFramePr/>
-          <p:nvPr>
-            <p:extLst>
-              <p:ext uri="{D42A27DB-BD31-4B8C-83A1-F6EECF244321}">
-                <p14:modId xmlns:p14="http://schemas.microsoft.com/office/powerpoint/2010/main" val="1801870707"/>
-              </p:ext>
-            </p:extLst>
-          </p:nvPr>
-        </p:nvGraphicFramePr>
-        <p:xfrm>
-          <a:off x="-137458" y="6007793"/>
-          <a:ext cx="13596409" cy="6854300"/>
-        </p:xfrm>
-        <a:graphic>
-          <a:graphicData uri="http://schemas.openxmlformats.org/drawingml/2006/chart">
-            <c:chart xmlns:c="http://schemas.openxmlformats.org/drawingml/2006/chart" xmlns:r="http://schemas.openxmlformats.org/officeDocument/2006/relationships" r:id="rId2"/>
-          </a:graphicData>
-        </a:graphic>
-      </p:graphicFrame>
       <p:graphicFrame>
         <p:nvGraphicFramePr>
           <p:cNvPr id="16" name="グラフ 15"/>
@@ -3875,7 +3792,7 @@
           <p:nvPr>
             <p:extLst>
               <p:ext uri="{D42A27DB-BD31-4B8C-83A1-F6EECF244321}">
-                <p14:modId xmlns:p14="http://schemas.microsoft.com/office/powerpoint/2010/main" val="3124150165"/>
+                <p14:modId xmlns:p14="http://schemas.microsoft.com/office/powerpoint/2010/main" val="3604209105"/>
               </p:ext>
             </p:extLst>
           </p:nvPr>
@@ -3886,7 +3803,7 @@
         </p:xfrm>
         <a:graphic>
           <a:graphicData uri="http://schemas.openxmlformats.org/drawingml/2006/chart">
-            <c:chart xmlns:c="http://schemas.openxmlformats.org/drawingml/2006/chart" xmlns:r="http://schemas.openxmlformats.org/officeDocument/2006/relationships" r:id="rId3"/>
+            <c:chart xmlns:c="http://schemas.openxmlformats.org/drawingml/2006/chart" xmlns:r="http://schemas.openxmlformats.org/officeDocument/2006/relationships" r:id="rId2"/>
           </a:graphicData>
         </a:graphic>
       </p:graphicFrame>
@@ -4027,109 +3944,6 @@
       </p:sp>
       <p:sp>
         <p:nvSpPr>
-          <p:cNvPr id="19" name="角丸四角形 18"/>
-          <p:cNvSpPr/>
-          <p:nvPr/>
-        </p:nvSpPr>
-        <p:spPr>
-          <a:xfrm>
-            <a:off x="15445863" y="14956997"/>
-            <a:ext cx="6048672" cy="4436910"/>
-          </a:xfrm>
-          <a:prstGeom prst="roundRect">
-            <a:avLst/>
-          </a:prstGeom>
-          <a:noFill/>
-        </p:spPr>
-        <p:style>
-          <a:lnRef idx="2">
-            <a:schemeClr val="accent1">
-              <a:shade val="50000"/>
-            </a:schemeClr>
-          </a:lnRef>
-          <a:fillRef idx="1">
-            <a:schemeClr val="accent1"/>
-          </a:fillRef>
-          <a:effectRef idx="0">
-            <a:schemeClr val="accent1"/>
-          </a:effectRef>
-          <a:fontRef idx="minor">
-            <a:schemeClr val="lt1"/>
-          </a:fontRef>
-        </p:style>
-        <p:txBody>
-          <a:bodyPr rtlCol="0" anchor="ctr"/>
-          <a:lstStyle/>
-          <a:p>
-            <a:r>
-              <a:rPr lang="ja-JP" altLang="en-US" sz="4800" dirty="0" smtClean="0">
-                <a:solidFill>
-                  <a:schemeClr val="tx1"/>
-                </a:solidFill>
-                <a:latin typeface="+mn-ea"/>
-              </a:rPr>
-              <a:t>　</a:t>
-            </a:r>
-            <a:r>
-              <a:rPr lang="ja-JP" altLang="en-US" sz="4800" dirty="0" smtClean="0">
-                <a:solidFill>
-                  <a:schemeClr val="tx1"/>
-                </a:solidFill>
-                <a:latin typeface="Times New Roman" panose="02020603050405020304" pitchFamily="18" charset="0"/>
-                <a:cs typeface="Times New Roman" panose="02020603050405020304" pitchFamily="18" charset="0"/>
-              </a:rPr>
-              <a:t>疑問点を調査し，製造方法・配布方法・販売方法などを調べることで解決策を発見できると考える．</a:t>
-            </a:r>
-            <a:endParaRPr lang="ja-JP" altLang="ja-JP" sz="4800" dirty="0">
-              <a:solidFill>
-                <a:schemeClr val="tx1"/>
-              </a:solidFill>
-              <a:latin typeface="Times New Roman" panose="02020603050405020304" pitchFamily="18" charset="0"/>
-              <a:cs typeface="Times New Roman" panose="02020603050405020304" pitchFamily="18" charset="0"/>
-            </a:endParaRPr>
-          </a:p>
-        </p:txBody>
-      </p:sp>
-      <p:sp>
-        <p:nvSpPr>
-          <p:cNvPr id="21" name="テキスト ボックス 20"/>
-          <p:cNvSpPr txBox="1"/>
-          <p:nvPr/>
-        </p:nvSpPr>
-        <p:spPr>
-          <a:xfrm>
-            <a:off x="7955964" y="13612856"/>
-            <a:ext cx="5472608" cy="1569660"/>
-          </a:xfrm>
-          <a:prstGeom prst="rect">
-            <a:avLst/>
-          </a:prstGeom>
-          <a:noFill/>
-        </p:spPr>
-        <p:txBody>
-          <a:bodyPr wrap="square" rtlCol="0">
-            <a:spAutoFit/>
-          </a:bodyPr>
-          <a:lstStyle/>
-          <a:p>
-            <a:pPr algn="ctr"/>
-            <a:r>
-              <a:rPr lang="ja-JP" altLang="en-US" sz="9600" dirty="0">
-                <a:latin typeface="+mn-ea"/>
-              </a:rPr>
-              <a:t>研究目的</a:t>
-            </a:r>
-            <a:endParaRPr lang="en-US" altLang="ja-JP" sz="9600" dirty="0" smtClean="0">
-              <a:solidFill>
-                <a:schemeClr val="tx1"/>
-              </a:solidFill>
-              <a:latin typeface="+mn-ea"/>
-            </a:endParaRPr>
-          </a:p>
-        </p:txBody>
-      </p:sp>
-      <p:sp>
-        <p:nvSpPr>
           <p:cNvPr id="24" name="テキスト ボックス 23"/>
           <p:cNvSpPr txBox="1"/>
           <p:nvPr/>
@@ -4388,13 +4202,126 @@
       </p:sp>
       <p:sp>
         <p:nvSpPr>
-          <p:cNvPr id="4" name="テキスト ボックス 3"/>
+          <p:cNvPr id="6" name="テキスト ボックス 5"/>
           <p:cNvSpPr txBox="1"/>
           <p:nvPr/>
         </p:nvSpPr>
         <p:spPr>
           <a:xfrm>
-            <a:off x="964569" y="5284518"/>
+            <a:off x="820008" y="0"/>
+            <a:ext cx="20566791" cy="3046988"/>
+          </a:xfrm>
+          <a:prstGeom prst="rect">
+            <a:avLst/>
+          </a:prstGeom>
+          <a:noFill/>
+        </p:spPr>
+        <p:txBody>
+          <a:bodyPr wrap="square" rtlCol="0">
+            <a:spAutoFit/>
+          </a:bodyPr>
+          <a:lstStyle/>
+          <a:p>
+            <a:r>
+              <a:rPr lang="ja-JP" altLang="en-US" sz="9600" dirty="0">
+                <a:latin typeface="ＭＳ Ｐゴシック" pitchFamily="50" charset="-128"/>
+                <a:ea typeface="ＭＳ Ｐゴシック" pitchFamily="50" charset="-128"/>
+              </a:rPr>
+              <a:t>モバイルアプリケーションの製造・販売・配布工程と普及率の関係に関する研究</a:t>
+            </a:r>
+            <a:endParaRPr kumimoji="1" lang="ja-JP" altLang="en-US" sz="9600" dirty="0"/>
+          </a:p>
+        </p:txBody>
+      </p:sp>
+      <p:graphicFrame>
+        <p:nvGraphicFramePr>
+          <p:cNvPr id="18" name="グラフ 17"/>
+          <p:cNvGraphicFramePr/>
+          <p:nvPr>
+            <p:extLst>
+              <p:ext uri="{D42A27DB-BD31-4B8C-83A1-F6EECF244321}">
+                <p14:modId xmlns:p14="http://schemas.microsoft.com/office/powerpoint/2010/main" val="2750092599"/>
+              </p:ext>
+            </p:extLst>
+          </p:nvPr>
+        </p:nvGraphicFramePr>
+        <p:xfrm>
+          <a:off x="-137458" y="6007793"/>
+          <a:ext cx="13596409" cy="6854300"/>
+        </p:xfrm>
+        <a:graphic>
+          <a:graphicData uri="http://schemas.openxmlformats.org/drawingml/2006/chart">
+            <c:chart xmlns:c="http://schemas.openxmlformats.org/drawingml/2006/chart" xmlns:r="http://schemas.openxmlformats.org/officeDocument/2006/relationships" r:id="rId3"/>
+          </a:graphicData>
+        </a:graphic>
+      </p:graphicFrame>
+      <p:graphicFrame>
+        <p:nvGraphicFramePr>
+          <p:cNvPr id="20" name="グラフ 19"/>
+          <p:cNvGraphicFramePr/>
+          <p:nvPr>
+            <p:extLst>
+              <p:ext uri="{D42A27DB-BD31-4B8C-83A1-F6EECF244321}">
+                <p14:modId xmlns:p14="http://schemas.microsoft.com/office/powerpoint/2010/main" val="1202499784"/>
+              </p:ext>
+            </p:extLst>
+          </p:nvPr>
+        </p:nvGraphicFramePr>
+        <p:xfrm>
+          <a:off x="11878258" y="5130875"/>
+          <a:ext cx="11305256" cy="8492484"/>
+        </p:xfrm>
+        <a:graphic>
+          <a:graphicData uri="http://schemas.openxmlformats.org/drawingml/2006/chart">
+            <c:chart xmlns:c="http://schemas.openxmlformats.org/drawingml/2006/chart" xmlns:r="http://schemas.openxmlformats.org/officeDocument/2006/relationships" r:id="rId4"/>
+          </a:graphicData>
+        </a:graphic>
+      </p:graphicFrame>
+      <p:sp>
+        <p:nvSpPr>
+          <p:cNvPr id="22" name="テキスト ボックス 21"/>
+          <p:cNvSpPr txBox="1"/>
+          <p:nvPr/>
+        </p:nvSpPr>
+        <p:spPr>
+          <a:xfrm>
+            <a:off x="7523916" y="4041876"/>
+            <a:ext cx="5904656" cy="1569660"/>
+          </a:xfrm>
+          <a:prstGeom prst="rect">
+            <a:avLst/>
+          </a:prstGeom>
+          <a:noFill/>
+        </p:spPr>
+        <p:txBody>
+          <a:bodyPr wrap="square" rtlCol="0">
+            <a:spAutoFit/>
+          </a:bodyPr>
+          <a:lstStyle/>
+          <a:p>
+            <a:r>
+              <a:rPr kumimoji="1" lang="ja-JP" altLang="en-US" sz="9600" dirty="0" smtClean="0">
+                <a:latin typeface="+mj-ea"/>
+                <a:ea typeface="+mj-ea"/>
+              </a:rPr>
+              <a:t>研究背景</a:t>
+            </a:r>
+            <a:endParaRPr kumimoji="1" lang="ja-JP" altLang="en-US" sz="9600" dirty="0">
+              <a:latin typeface="+mj-ea"/>
+              <a:ea typeface="+mj-ea"/>
+            </a:endParaRPr>
+          </a:p>
+        </p:txBody>
+      </p:sp>
+      <p:sp>
+        <p:nvSpPr>
+          <p:cNvPr id="23" name="テキスト ボックス 22"/>
+          <p:cNvSpPr txBox="1"/>
+          <p:nvPr/>
+        </p:nvSpPr>
+        <p:spPr>
+          <a:xfrm>
+            <a:off x="680900" y="4865957"/>
             <a:ext cx="7064888" cy="984885"/>
           </a:xfrm>
           <a:prstGeom prst="rect">
@@ -4430,13 +4357,13 @@
       </p:sp>
       <p:sp>
         <p:nvSpPr>
-          <p:cNvPr id="17" name="テキスト ボックス 16"/>
+          <p:cNvPr id="26" name="テキスト ボックス 25"/>
           <p:cNvSpPr txBox="1"/>
           <p:nvPr/>
         </p:nvSpPr>
         <p:spPr>
           <a:xfrm>
-            <a:off x="13895371" y="5358400"/>
+            <a:off x="13895371" y="4865957"/>
             <a:ext cx="7064888" cy="984885"/>
           </a:xfrm>
           <a:prstGeom prst="rect">
@@ -4472,13 +4399,13 @@
       </p:sp>
       <p:sp>
         <p:nvSpPr>
-          <p:cNvPr id="8" name="右矢印 7"/>
+          <p:cNvPr id="27" name="右矢印 26"/>
           <p:cNvSpPr/>
           <p:nvPr/>
         </p:nvSpPr>
         <p:spPr>
           <a:xfrm>
-            <a:off x="7955964" y="14228496"/>
+            <a:off x="8029457" y="14386714"/>
             <a:ext cx="7416406" cy="5893912"/>
           </a:xfrm>
           <a:prstGeom prst="rightArrow">
@@ -4513,68 +4440,190 @@
           <a:p>
             <a:pPr algn="ctr"/>
             <a:r>
-              <a:rPr lang="en-US" altLang="ja-JP" dirty="0">
+              <a:rPr lang="ja-JP" altLang="en-US" dirty="0">
+                <a:solidFill>
+                  <a:schemeClr val="tx1"/>
+                </a:solidFill>
+              </a:rPr>
+              <a:t>ランキングデータを解析することで</a:t>
+            </a:r>
+            <a:endParaRPr lang="en-US" altLang="ja-JP" dirty="0">
+              <a:solidFill>
+                <a:schemeClr val="tx1"/>
+              </a:solidFill>
+              <a:latin typeface="Times New Roman" panose="02020603050405020304" pitchFamily="18" charset="0"/>
+              <a:cs typeface="Times New Roman" panose="02020603050405020304" pitchFamily="18" charset="0"/>
+            </a:endParaRPr>
+          </a:p>
+        </p:txBody>
+      </p:sp>
+      <p:sp>
+        <p:nvSpPr>
+          <p:cNvPr id="29" name="角丸四角形 28"/>
+          <p:cNvSpPr/>
+          <p:nvPr/>
+        </p:nvSpPr>
+        <p:spPr>
+          <a:xfrm>
+            <a:off x="15445863" y="14956997"/>
+            <a:ext cx="6048672" cy="4436910"/>
+          </a:xfrm>
+          <a:prstGeom prst="roundRect">
+            <a:avLst/>
+          </a:prstGeom>
+          <a:noFill/>
+        </p:spPr>
+        <p:style>
+          <a:lnRef idx="2">
+            <a:schemeClr val="accent1">
+              <a:shade val="50000"/>
+            </a:schemeClr>
+          </a:lnRef>
+          <a:fillRef idx="1">
+            <a:schemeClr val="accent1"/>
+          </a:fillRef>
+          <a:effectRef idx="0">
+            <a:schemeClr val="accent1"/>
+          </a:effectRef>
+          <a:fontRef idx="minor">
+            <a:schemeClr val="lt1"/>
+          </a:fontRef>
+        </p:style>
+        <p:txBody>
+          <a:bodyPr rtlCol="0" anchor="ctr"/>
+          <a:lstStyle/>
+          <a:p>
+            <a:r>
+              <a:rPr lang="ja-JP" altLang="en-US" sz="4800" dirty="0" smtClean="0">
+                <a:solidFill>
+                  <a:schemeClr val="tx1"/>
+                </a:solidFill>
+                <a:latin typeface="+mn-ea"/>
+              </a:rPr>
+              <a:t>　</a:t>
+            </a:r>
+            <a:r>
+              <a:rPr lang="ja-JP" altLang="en-US" sz="4800" dirty="0" smtClean="0">
+                <a:solidFill>
+                  <a:schemeClr val="tx1"/>
+                </a:solidFill>
+                <a:latin typeface="+mn-ea"/>
+              </a:rPr>
+              <a:t>アプリ開発の</a:t>
+            </a:r>
+            <a:r>
+              <a:rPr lang="ja-JP" altLang="en-US" sz="5400" dirty="0" smtClean="0">
                 <a:solidFill>
                   <a:schemeClr val="tx1"/>
                 </a:solidFill>
                 <a:latin typeface="Times New Roman" panose="02020603050405020304" pitchFamily="18" charset="0"/>
                 <a:cs typeface="Times New Roman" panose="02020603050405020304" pitchFamily="18" charset="0"/>
               </a:rPr>
-              <a:t>OS</a:t>
-            </a:r>
-            <a:r>
-              <a:rPr lang="ja-JP" altLang="en-US" dirty="0">
+              <a:t>最善策を理解できると</a:t>
+            </a:r>
+            <a:r>
+              <a:rPr lang="ja-JP" altLang="en-US" sz="5400" dirty="0" smtClean="0">
                 <a:solidFill>
                   <a:schemeClr val="tx1"/>
                 </a:solidFill>
                 <a:latin typeface="Times New Roman" panose="02020603050405020304" pitchFamily="18" charset="0"/>
                 <a:cs typeface="Times New Roman" panose="02020603050405020304" pitchFamily="18" charset="0"/>
               </a:rPr>
-              <a:t>普及率とアプリ普及率の逆転現象がなぜ起こるのか</a:t>
-            </a:r>
-            <a:r>
-              <a:rPr lang="en-US" altLang="ja-JP" dirty="0">
+              <a:t>考える．</a:t>
+            </a:r>
+            <a:endParaRPr lang="ja-JP" altLang="ja-JP" sz="5400" dirty="0">
+              <a:solidFill>
+                <a:schemeClr val="tx1"/>
+              </a:solidFill>
+              <a:latin typeface="Times New Roman" panose="02020603050405020304" pitchFamily="18" charset="0"/>
+              <a:cs typeface="Times New Roman" panose="02020603050405020304" pitchFamily="18" charset="0"/>
+            </a:endParaRPr>
+          </a:p>
+        </p:txBody>
+      </p:sp>
+      <p:sp>
+        <p:nvSpPr>
+          <p:cNvPr id="30" name="サブタイトル 2"/>
+          <p:cNvSpPr>
+            <a:spLocks noGrp="1"/>
+          </p:cNvSpPr>
+          <p:nvPr>
+            <p:ph type="subTitle" idx="1"/>
+          </p:nvPr>
+        </p:nvSpPr>
+        <p:spPr>
+          <a:xfrm>
+            <a:off x="-146920" y="12767063"/>
+            <a:ext cx="21386800" cy="1217601"/>
+          </a:xfrm>
+        </p:spPr>
+        <p:txBody>
+          <a:bodyPr>
+            <a:noAutofit/>
+          </a:bodyPr>
+          <a:lstStyle/>
+          <a:p>
+            <a:pPr algn="ctr"/>
+            <a:r>
+              <a:rPr lang="ja-JP" altLang="en-US" sz="4800" dirty="0">
                 <a:solidFill>
                   <a:schemeClr val="tx1"/>
                 </a:solidFill>
-                <a:latin typeface="Times New Roman" panose="02020603050405020304" pitchFamily="18" charset="0"/>
-                <a:cs typeface="Times New Roman" panose="02020603050405020304" pitchFamily="18" charset="0"/>
+                <a:latin typeface="+mn-ea"/>
               </a:rPr>
-              <a:t>?</a:t>
-            </a:r>
-          </a:p>
-        </p:txBody>
-      </p:sp>
-      <p:sp>
-        <p:nvSpPr>
-          <p:cNvPr id="6" name="テキスト ボックス 5"/>
-          <p:cNvSpPr txBox="1"/>
-          <p:nvPr/>
-        </p:nvSpPr>
-        <p:spPr>
-          <a:xfrm>
-            <a:off x="820008" y="0"/>
-            <a:ext cx="20566791" cy="3046988"/>
-          </a:xfrm>
-          <a:prstGeom prst="rect">
-            <a:avLst/>
-          </a:prstGeom>
-          <a:noFill/>
-        </p:spPr>
-        <p:txBody>
-          <a:bodyPr wrap="square" rtlCol="0">
-            <a:spAutoFit/>
-          </a:bodyPr>
-          <a:lstStyle/>
-          <a:p>
-            <a:r>
-              <a:rPr lang="ja-JP" altLang="en-US" sz="9600" dirty="0">
-                <a:latin typeface="ＭＳ Ｐゴシック" pitchFamily="50" charset="-128"/>
-                <a:ea typeface="ＭＳ Ｐゴシック" pitchFamily="50" charset="-128"/>
+              <a:t>スマートフォン向け </a:t>
+            </a:r>
+            <a:r>
+              <a:rPr lang="en-US" altLang="ja-JP" sz="4800" dirty="0">
+                <a:solidFill>
+                  <a:schemeClr val="tx1"/>
+                </a:solidFill>
+                <a:latin typeface="+mn-ea"/>
               </a:rPr>
-              <a:t>モバイルアプリケーションの製造・販売・配布工程と普及率の関係に関する研究</a:t>
-            </a:r>
-            <a:endParaRPr kumimoji="1" lang="ja-JP" altLang="en-US" sz="9600" dirty="0"/>
+              <a:t>OS </a:t>
+            </a:r>
+            <a:r>
+              <a:rPr lang="ja-JP" altLang="en-US" sz="4800" dirty="0">
+                <a:solidFill>
+                  <a:schemeClr val="tx1"/>
+                </a:solidFill>
+                <a:latin typeface="+mn-ea"/>
+              </a:rPr>
+              <a:t>の</a:t>
+            </a:r>
+            <a:r>
+              <a:rPr lang="ja-JP" altLang="en-US" sz="4800" dirty="0" smtClean="0">
+                <a:solidFill>
+                  <a:schemeClr val="tx1"/>
+                </a:solidFill>
+                <a:latin typeface="+mn-ea"/>
+              </a:rPr>
+              <a:t>市場の普及率</a:t>
+            </a:r>
+            <a:endParaRPr lang="en-US" altLang="ja-JP" sz="4800" dirty="0" smtClean="0">
+              <a:solidFill>
+                <a:schemeClr val="tx1"/>
+              </a:solidFill>
+              <a:latin typeface="+mn-ea"/>
+            </a:endParaRPr>
+          </a:p>
+          <a:p>
+            <a:pPr algn="r"/>
+            <a:r>
+              <a:rPr lang="ja-JP" altLang="en-US" sz="4800" dirty="0" smtClean="0">
+                <a:solidFill>
+                  <a:schemeClr val="tx1"/>
+                </a:solidFill>
+                <a:latin typeface="+mn-ea"/>
+              </a:rPr>
+              <a:t>　　　　　　出典：インターネットコム</a:t>
+            </a:r>
+            <a:endParaRPr lang="en-US" altLang="ja-JP" sz="4800" dirty="0">
+              <a:solidFill>
+                <a:schemeClr val="tx1"/>
+              </a:solidFill>
+              <a:latin typeface="+mn-ea"/>
+            </a:endParaRPr>
           </a:p>
         </p:txBody>
       </p:sp>
@@ -5063,29 +5112,8 @@
                           <a:ea typeface="+mn-ea"/>
                           <a:cs typeface="Times New Roman" panose="02020603050405020304" pitchFamily="18" charset="0"/>
                         </a:rPr>
-                        <a:t>モデルをデータにあてはめ、レビューとランキングの関係を明らかにする</a:t>
-                      </a:r>
-                      <a:r>
-                        <a:rPr kumimoji="1" lang="ja-JP" altLang="ja-JP" sz="4400" kern="1200" dirty="0" smtClean="0">
-                          <a:solidFill>
-                            <a:schemeClr val="dk1"/>
-                          </a:solidFill>
-                          <a:effectLst/>
-                          <a:latin typeface="Times New Roman" panose="02020603050405020304" pitchFamily="18" charset="0"/>
-                          <a:ea typeface="+mn-ea"/>
-                          <a:cs typeface="Times New Roman" panose="02020603050405020304" pitchFamily="18" charset="0"/>
-                        </a:rPr>
-                        <a:t>．</a:t>
-                      </a:r>
-                      <a:endParaRPr kumimoji="1" lang="ja-JP" altLang="ja-JP" sz="4400" kern="1200" dirty="0" smtClean="0">
-                        <a:solidFill>
-                          <a:schemeClr val="dk1"/>
-                        </a:solidFill>
-                        <a:effectLst/>
-                        <a:latin typeface="Times New Roman" panose="02020603050405020304" pitchFamily="18" charset="0"/>
-                        <a:ea typeface="+mn-ea"/>
-                        <a:cs typeface="Times New Roman" panose="02020603050405020304" pitchFamily="18" charset="0"/>
-                      </a:endParaRPr>
+                        <a:t>モデルをデータにあてはめ、レビューとランキングの関係を明らかにする．</a:t>
+                      </a:r>
                     </a:p>
                   </a:txBody>
                   <a:tcPr/>
@@ -7140,68 +7168,93 @@
           <a:bodyPr rtlCol="0" anchor="ctr"/>
           <a:lstStyle/>
           <a:p>
-            <a:pPr algn="ctr"/>
-            <a:r>
-              <a:rPr kumimoji="1" lang="ja-JP" altLang="en-US" sz="4800" dirty="0" smtClean="0"/>
-              <a:t>「</a:t>
-            </a:r>
-            <a:r>
-              <a:rPr kumimoji="1" lang="en-US" altLang="ja-JP" sz="4800" dirty="0" smtClean="0"/>
+            <a:pPr marL="914400" indent="-914400">
+              <a:buFont typeface="+mj-lt"/>
+              <a:buAutoNum type="arabicPeriod"/>
+            </a:pPr>
+            <a:r>
+              <a:rPr lang="ja-JP" altLang="en-US" sz="4800" dirty="0"/>
+              <a:t>　「</a:t>
+            </a:r>
+            <a:r>
+              <a:rPr lang="en-US" altLang="ja-JP" sz="4800" dirty="0"/>
               <a:t>OS</a:t>
             </a:r>
             <a:r>
-              <a:rPr kumimoji="1" lang="ja-JP" altLang="en-US" sz="4800" dirty="0" smtClean="0"/>
+              <a:rPr lang="ja-JP" altLang="en-US" sz="4800" dirty="0"/>
               <a:t>別アプリ」とは，</a:t>
             </a:r>
             <a:r>
-              <a:rPr lang="en-US" altLang="ja-JP" sz="4800" dirty="0" smtClean="0"/>
+              <a:rPr lang="en-US" altLang="ja-JP" sz="4800" dirty="0"/>
               <a:t>App Store</a:t>
             </a:r>
             <a:r>
-              <a:rPr lang="ja-JP" altLang="en-US" sz="4800" dirty="0" smtClean="0"/>
+              <a:rPr lang="ja-JP" altLang="en-US" sz="4800" dirty="0"/>
               <a:t>・</a:t>
             </a:r>
             <a:r>
-              <a:rPr lang="en-US" altLang="ja-JP" sz="4800" dirty="0" smtClean="0"/>
+              <a:rPr lang="en-US" altLang="ja-JP" sz="4800" dirty="0"/>
               <a:t>Play</a:t>
             </a:r>
             <a:r>
-              <a:rPr lang="ja-JP" altLang="en-US" sz="4800" dirty="0" smtClean="0"/>
+              <a:rPr lang="ja-JP" altLang="en-US" sz="4800" dirty="0"/>
               <a:t>ストアの有料・無料のランキングを</a:t>
             </a:r>
             <a:r>
-              <a:rPr lang="en-US" altLang="ja-JP" sz="4800" dirty="0" smtClean="0"/>
+              <a:rPr lang="en-US" altLang="ja-JP" sz="4800" dirty="0"/>
               <a:t>10</a:t>
             </a:r>
             <a:r>
-              <a:rPr lang="ja-JP" altLang="en-US" sz="4800" dirty="0" smtClean="0"/>
+              <a:rPr lang="ja-JP" altLang="en-US" sz="4800" dirty="0"/>
               <a:t>月</a:t>
             </a:r>
             <a:r>
-              <a:rPr lang="en-US" altLang="ja-JP" sz="4800" dirty="0" smtClean="0"/>
+              <a:rPr lang="en-US" altLang="ja-JP" sz="4800" dirty="0"/>
               <a:t>1</a:t>
             </a:r>
             <a:r>
-              <a:rPr lang="ja-JP" altLang="en-US" sz="4800" dirty="0" smtClean="0"/>
+              <a:rPr lang="ja-JP" altLang="en-US" sz="4800" dirty="0"/>
               <a:t>日から</a:t>
             </a:r>
             <a:r>
-              <a:rPr lang="en-US" altLang="ja-JP" sz="4800" dirty="0" smtClean="0"/>
+              <a:rPr lang="en-US" altLang="ja-JP" sz="4800" dirty="0"/>
               <a:t>10</a:t>
             </a:r>
             <a:r>
-              <a:rPr lang="ja-JP" altLang="en-US" sz="4800" dirty="0" smtClean="0"/>
+              <a:rPr lang="ja-JP" altLang="en-US" sz="4800" dirty="0"/>
               <a:t>月</a:t>
             </a:r>
             <a:r>
-              <a:rPr lang="en-US" altLang="ja-JP" sz="4800" dirty="0" smtClean="0"/>
+              <a:rPr lang="en-US" altLang="ja-JP" sz="4800" dirty="0"/>
               <a:t>8</a:t>
             </a:r>
             <a:r>
-              <a:rPr lang="ja-JP" altLang="en-US" sz="4800" dirty="0" smtClean="0"/>
-              <a:t>日の現時点での最新のデータであり，このデータからランキングやレビューを読み取り，どのような自動取得プログラムが最適なのか・上位にあるアプリのランキングとレビューの関係性を調査する．</a:t>
-            </a:r>
-            <a:endParaRPr kumimoji="1" lang="ja-JP" altLang="en-US" sz="4800" dirty="0"/>
+              <a:rPr lang="ja-JP" altLang="en-US" sz="4800" dirty="0"/>
+              <a:t>日の現時点での最新のデータである．</a:t>
+            </a:r>
+            <a:endParaRPr lang="en-US" altLang="ja-JP" sz="4800" dirty="0"/>
+          </a:p>
+          <a:p>
+            <a:pPr marL="914400" indent="-914400">
+              <a:buFont typeface="+mj-lt"/>
+              <a:buAutoNum type="arabicPeriod"/>
+            </a:pPr>
+            <a:r>
+              <a:rPr lang="ja-JP" altLang="en-US" sz="4800" dirty="0"/>
+              <a:t>このデータからランキングやレビューを読み取る．</a:t>
+            </a:r>
+            <a:endParaRPr lang="en-US" altLang="ja-JP" sz="4800" dirty="0"/>
+          </a:p>
+          <a:p>
+            <a:pPr marL="914400" indent="-914400">
+              <a:buFont typeface="+mj-lt"/>
+              <a:buAutoNum type="arabicPeriod"/>
+            </a:pPr>
+            <a:r>
+              <a:rPr lang="ja-JP" altLang="en-US" sz="4800" dirty="0"/>
+              <a:t>どのような自動取得プログラムが最適なのか・上位にあるアプリのランキングとレビューの関係性を調査する．</a:t>
+            </a:r>
+            <a:endParaRPr lang="ja-JP" altLang="en-US" sz="4800" dirty="0"/>
           </a:p>
         </p:txBody>
       </p:sp>

--- a/卒業論文/2012/増田知之/卒論中間.pptx
+++ b/卒業論文/2012/増田知之/卒論中間.pptx
@@ -685,7 +685,7 @@
           <a:p>
             <a:fld id="{2258C46B-B7D1-4D4A-A323-AA9499691D4C}" type="datetimeFigureOut">
               <a:rPr kumimoji="1" lang="ja-JP" altLang="en-US" smtClean="0"/>
-              <a:t>2013/10/9</a:t>
+              <a:t>2013/10/10</a:t>
             </a:fld>
             <a:endParaRPr kumimoji="1" lang="ja-JP" altLang="en-US" dirty="0"/>
           </a:p>
@@ -887,7 +887,7 @@
           <a:p>
             <a:fld id="{2258C46B-B7D1-4D4A-A323-AA9499691D4C}" type="datetimeFigureOut">
               <a:rPr kumimoji="1" lang="ja-JP" altLang="en-US" smtClean="0"/>
-              <a:t>2013/10/9</a:t>
+              <a:t>2013/10/10</a:t>
             </a:fld>
             <a:endParaRPr kumimoji="1" lang="ja-JP" altLang="en-US" dirty="0"/>
           </a:p>
@@ -1099,7 +1099,7 @@
           <a:p>
             <a:fld id="{2258C46B-B7D1-4D4A-A323-AA9499691D4C}" type="datetimeFigureOut">
               <a:rPr kumimoji="1" lang="ja-JP" altLang="en-US" smtClean="0"/>
-              <a:t>2013/10/9</a:t>
+              <a:t>2013/10/10</a:t>
             </a:fld>
             <a:endParaRPr kumimoji="1" lang="ja-JP" altLang="en-US" dirty="0"/>
           </a:p>
@@ -1301,7 +1301,7 @@
           <a:p>
             <a:fld id="{2258C46B-B7D1-4D4A-A323-AA9499691D4C}" type="datetimeFigureOut">
               <a:rPr kumimoji="1" lang="ja-JP" altLang="en-US" smtClean="0"/>
-              <a:t>2013/10/9</a:t>
+              <a:t>2013/10/10</a:t>
             </a:fld>
             <a:endParaRPr kumimoji="1" lang="ja-JP" altLang="en-US" dirty="0"/>
           </a:p>
@@ -1547,7 +1547,7 @@
           <a:p>
             <a:fld id="{2258C46B-B7D1-4D4A-A323-AA9499691D4C}" type="datetimeFigureOut">
               <a:rPr kumimoji="1" lang="ja-JP" altLang="en-US" smtClean="0"/>
-              <a:t>2013/10/9</a:t>
+              <a:t>2013/10/10</a:t>
             </a:fld>
             <a:endParaRPr kumimoji="1" lang="ja-JP" altLang="en-US" dirty="0"/>
           </a:p>
@@ -1899,7 +1899,7 @@
           <a:p>
             <a:fld id="{2258C46B-B7D1-4D4A-A323-AA9499691D4C}" type="datetimeFigureOut">
               <a:rPr kumimoji="1" lang="ja-JP" altLang="en-US" smtClean="0"/>
-              <a:t>2013/10/9</a:t>
+              <a:t>2013/10/10</a:t>
             </a:fld>
             <a:endParaRPr kumimoji="1" lang="ja-JP" altLang="en-US" dirty="0"/>
           </a:p>
@@ -2390,7 +2390,7 @@
           <a:p>
             <a:fld id="{2258C46B-B7D1-4D4A-A323-AA9499691D4C}" type="datetimeFigureOut">
               <a:rPr kumimoji="1" lang="ja-JP" altLang="en-US" smtClean="0"/>
-              <a:t>2013/10/9</a:t>
+              <a:t>2013/10/10</a:t>
             </a:fld>
             <a:endParaRPr kumimoji="1" lang="ja-JP" altLang="en-US" dirty="0"/>
           </a:p>
@@ -2508,7 +2508,7 @@
           <a:p>
             <a:fld id="{2258C46B-B7D1-4D4A-A323-AA9499691D4C}" type="datetimeFigureOut">
               <a:rPr kumimoji="1" lang="ja-JP" altLang="en-US" smtClean="0"/>
-              <a:t>2013/10/9</a:t>
+              <a:t>2013/10/10</a:t>
             </a:fld>
             <a:endParaRPr kumimoji="1" lang="ja-JP" altLang="en-US" dirty="0"/>
           </a:p>
@@ -2603,7 +2603,7 @@
           <a:p>
             <a:fld id="{2258C46B-B7D1-4D4A-A323-AA9499691D4C}" type="datetimeFigureOut">
               <a:rPr kumimoji="1" lang="ja-JP" altLang="en-US" smtClean="0"/>
-              <a:t>2013/10/9</a:t>
+              <a:t>2013/10/10</a:t>
             </a:fld>
             <a:endParaRPr kumimoji="1" lang="ja-JP" altLang="en-US" dirty="0"/>
           </a:p>
@@ -2912,7 +2912,7 @@
           <a:p>
             <a:fld id="{2258C46B-B7D1-4D4A-A323-AA9499691D4C}" type="datetimeFigureOut">
               <a:rPr kumimoji="1" lang="ja-JP" altLang="en-US" smtClean="0"/>
-              <a:t>2013/10/9</a:t>
+              <a:t>2013/10/10</a:t>
             </a:fld>
             <a:endParaRPr kumimoji="1" lang="ja-JP" altLang="en-US" dirty="0"/>
           </a:p>
@@ -3165,7 +3165,7 @@
           <a:p>
             <a:fld id="{2258C46B-B7D1-4D4A-A323-AA9499691D4C}" type="datetimeFigureOut">
               <a:rPr kumimoji="1" lang="ja-JP" altLang="en-US" smtClean="0"/>
-              <a:t>2013/10/9</a:t>
+              <a:t>2013/10/10</a:t>
             </a:fld>
             <a:endParaRPr kumimoji="1" lang="ja-JP" altLang="en-US" dirty="0"/>
           </a:p>
@@ -3410,7 +3410,7 @@
           <a:p>
             <a:fld id="{2258C46B-B7D1-4D4A-A323-AA9499691D4C}" type="datetimeFigureOut">
               <a:rPr kumimoji="1" lang="ja-JP" altLang="en-US" smtClean="0"/>
-              <a:t>2013/10/9</a:t>
+              <a:t>2013/10/10</a:t>
             </a:fld>
             <a:endParaRPr kumimoji="1" lang="ja-JP" altLang="en-US" dirty="0"/>
           </a:p>
@@ -4149,7 +4149,7 @@
         </p:nvSpPr>
         <p:spPr>
           <a:xfrm>
-            <a:off x="-217156" y="3118546"/>
+            <a:off x="-1065430" y="3118546"/>
             <a:ext cx="21386799" cy="923330"/>
           </a:xfrm>
           <a:prstGeom prst="rect">
@@ -4500,7 +4500,7 @@
                 </a:solidFill>
                 <a:latin typeface="+mn-ea"/>
               </a:rPr>
-              <a:t>　</a:t>
+              <a:t>アプリ</a:t>
             </a:r>
             <a:r>
               <a:rPr lang="ja-JP" altLang="en-US" sz="4800" dirty="0" smtClean="0">
@@ -4509,7 +4509,7 @@
                 </a:solidFill>
                 <a:latin typeface="+mn-ea"/>
               </a:rPr>
-              <a:t>アプリ開発の</a:t>
+              <a:t>開発の</a:t>
             </a:r>
             <a:r>
               <a:rPr lang="ja-JP" altLang="en-US" sz="5400" dirty="0" smtClean="0">
@@ -4519,17 +4519,7 @@
                 <a:latin typeface="Times New Roman" panose="02020603050405020304" pitchFamily="18" charset="0"/>
                 <a:cs typeface="Times New Roman" panose="02020603050405020304" pitchFamily="18" charset="0"/>
               </a:rPr>
-              <a:t>最善策を理解できると</a:t>
-            </a:r>
-            <a:r>
-              <a:rPr lang="ja-JP" altLang="en-US" sz="5400" dirty="0" smtClean="0">
-                <a:solidFill>
-                  <a:schemeClr val="tx1"/>
-                </a:solidFill>
-                <a:latin typeface="Times New Roman" panose="02020603050405020304" pitchFamily="18" charset="0"/>
-                <a:cs typeface="Times New Roman" panose="02020603050405020304" pitchFamily="18" charset="0"/>
-              </a:rPr>
-              <a:t>考える．</a:t>
+              <a:t>最善策を理解できると考える．</a:t>
             </a:r>
             <a:endParaRPr lang="ja-JP" altLang="ja-JP" sz="5400" dirty="0">
               <a:solidFill>
@@ -4716,7 +4706,7 @@
           <p:nvPr>
             <p:extLst>
               <p:ext uri="{D42A27DB-BD31-4B8C-83A1-F6EECF244321}">
-                <p14:modId xmlns:p14="http://schemas.microsoft.com/office/powerpoint/2010/main" val="1425494565"/>
+                <p14:modId xmlns:p14="http://schemas.microsoft.com/office/powerpoint/2010/main" val="3642862682"/>
               </p:ext>
             </p:extLst>
           </p:nvPr>
@@ -4873,7 +4863,31 @@
                           <a:ea typeface="+mn-ea"/>
                           <a:cs typeface="Times New Roman" panose="02020603050405020304" pitchFamily="18" charset="0"/>
                         </a:rPr>
-                        <a:t>レビューのデータを取得する方法を確認する</a:t>
+                        <a:t>レビューのデータを取得する方法を確認</a:t>
+                      </a:r>
+                      <a:r>
+                        <a:rPr kumimoji="1" lang="ja-JP" altLang="ja-JP" sz="4400" kern="1200" dirty="0" smtClean="0">
+                          <a:solidFill>
+                            <a:schemeClr val="dk1"/>
+                          </a:solidFill>
+                          <a:effectLst/>
+                          <a:latin typeface="Times New Roman" panose="02020603050405020304" pitchFamily="18" charset="0"/>
+                          <a:ea typeface="+mn-ea"/>
+                          <a:cs typeface="Times New Roman" panose="02020603050405020304" pitchFamily="18" charset="0"/>
+                        </a:rPr>
+                        <a:t>する</a:t>
+                      </a:r>
+                      <a:r>
+                        <a:rPr kumimoji="1" lang="ja-JP" altLang="en-US" sz="4400" kern="1200" dirty="0" smtClean="0">
+                          <a:solidFill>
+                            <a:schemeClr val="dk1"/>
+                          </a:solidFill>
+                          <a:effectLst/>
+                          <a:latin typeface="Times New Roman" panose="02020603050405020304" pitchFamily="18" charset="0"/>
+                          <a:ea typeface="+mn-ea"/>
+                          <a:cs typeface="Times New Roman" panose="02020603050405020304" pitchFamily="18" charset="0"/>
+                        </a:rPr>
+                        <a:t>．</a:t>
                       </a:r>
                       <a:endParaRPr kumimoji="1" lang="en-US" altLang="ja-JP" sz="4400" dirty="0" smtClean="0">
                         <a:latin typeface="Times New Roman" panose="02020603050405020304" pitchFamily="18" charset="0"/>
@@ -4954,7 +4968,31 @@
                           <a:ea typeface="+mn-ea"/>
                           <a:cs typeface="Times New Roman" panose="02020603050405020304" pitchFamily="18" charset="0"/>
                         </a:rPr>
-                        <a:t>ランキングとレビューを自動的に取得するプログラムを開発し，データを取得する</a:t>
+                        <a:t>ランキングとレビューを自動的に取得するプログラムを開発し，データを取得</a:t>
+                      </a:r>
+                      <a:r>
+                        <a:rPr kumimoji="1" lang="ja-JP" altLang="ja-JP" sz="4400" kern="1200" dirty="0" smtClean="0">
+                          <a:solidFill>
+                            <a:schemeClr val="dk1"/>
+                          </a:solidFill>
+                          <a:effectLst/>
+                          <a:latin typeface="Times New Roman" panose="02020603050405020304" pitchFamily="18" charset="0"/>
+                          <a:ea typeface="+mn-ea"/>
+                          <a:cs typeface="Times New Roman" panose="02020603050405020304" pitchFamily="18" charset="0"/>
+                        </a:rPr>
+                        <a:t>する</a:t>
+                      </a:r>
+                      <a:r>
+                        <a:rPr kumimoji="1" lang="ja-JP" altLang="en-US" sz="4400" kern="1200" dirty="0" smtClean="0">
+                          <a:solidFill>
+                            <a:schemeClr val="dk1"/>
+                          </a:solidFill>
+                          <a:effectLst/>
+                          <a:latin typeface="Times New Roman" panose="02020603050405020304" pitchFamily="18" charset="0"/>
+                          <a:ea typeface="+mn-ea"/>
+                          <a:cs typeface="Times New Roman" panose="02020603050405020304" pitchFamily="18" charset="0"/>
+                        </a:rPr>
+                        <a:t>．</a:t>
                       </a:r>
                       <a:endParaRPr kumimoji="1" lang="en-US" altLang="ja-JP" sz="4400" dirty="0" smtClean="0">
                         <a:latin typeface="Times New Roman" panose="02020603050405020304" pitchFamily="18" charset="0"/>
@@ -5597,14 +5635,14 @@
           <p:nvPr>
             <p:extLst>
               <p:ext uri="{D42A27DB-BD31-4B8C-83A1-F6EECF244321}">
-                <p14:modId xmlns:p14="http://schemas.microsoft.com/office/powerpoint/2010/main" val="906677583"/>
+                <p14:modId xmlns:p14="http://schemas.microsoft.com/office/powerpoint/2010/main" val="1320998153"/>
               </p:ext>
             </p:extLst>
           </p:nvPr>
         </p:nvGraphicFramePr>
         <p:xfrm>
           <a:off x="1836416" y="6586621"/>
-          <a:ext cx="18275815" cy="14825473"/>
+          <a:ext cx="18410109" cy="14825473"/>
         </p:xfrm>
         <a:graphic>
           <a:graphicData uri="http://schemas.openxmlformats.org/drawingml/2006/table">
@@ -5613,11 +5651,11 @@
                 <a:tableStyleId>{5C22544A-7EE6-4342-B048-85BDC9FD1C3A}</a:tableStyleId>
               </a:tblPr>
               <a:tblGrid>
-                <a:gridCol w="1173171"/>
-                <a:gridCol w="4435373"/>
-                <a:gridCol w="4468237"/>
-                <a:gridCol w="4172723"/>
-                <a:gridCol w="4026311"/>
+                <a:gridCol w="881380"/>
+                <a:gridCol w="4500620"/>
+                <a:gridCol w="4342703"/>
+                <a:gridCol w="4342703"/>
+                <a:gridCol w="4342703"/>
               </a:tblGrid>
               <a:tr h="370840">
                 <a:tc>
@@ -5626,6 +5664,43 @@
                     <a:lstStyle/>
                     <a:p>
                       <a:pPr algn="ctr"/>
+                      <a:endParaRPr kumimoji="1" lang="ja-JP" altLang="en-US" dirty="0"/>
+                    </a:p>
+                  </a:txBody>
+                  <a:tcPr/>
+                </a:tc>
+                <a:tc gridSpan="2">
+                  <a:txBody>
+                    <a:bodyPr/>
+                    <a:lstStyle/>
+                    <a:p>
+                      <a:pPr algn="ctr"/>
+                      <a:r>
+                        <a:rPr kumimoji="1" lang="en-US" altLang="ja-JP" dirty="0" err="1" smtClean="0">
+                          <a:solidFill>
+                            <a:schemeClr val="tx1"/>
+                          </a:solidFill>
+                          <a:latin typeface="Times New Roman" panose="02020603050405020304" pitchFamily="18" charset="0"/>
+                          <a:cs typeface="Times New Roman" panose="02020603050405020304" pitchFamily="18" charset="0"/>
+                        </a:rPr>
+                        <a:t>iOS</a:t>
+                      </a:r>
+                      <a:endParaRPr kumimoji="1" lang="ja-JP" altLang="en-US" dirty="0">
+                        <a:solidFill>
+                          <a:schemeClr val="tx1"/>
+                        </a:solidFill>
+                        <a:latin typeface="Times New Roman" panose="02020603050405020304" pitchFamily="18" charset="0"/>
+                        <a:cs typeface="Times New Roman" panose="02020603050405020304" pitchFamily="18" charset="0"/>
+                      </a:endParaRPr>
+                    </a:p>
+                  </a:txBody>
+                  <a:tcPr/>
+                </a:tc>
+                <a:tc hMerge="1">
+                  <a:txBody>
+                    <a:bodyPr/>
+                    <a:lstStyle/>
+                    <a:p>
                       <a:endParaRPr kumimoji="1" lang="ja-JP" altLang="en-US" dirty="0"/>
                     </a:p>
                   </a:txBody>
@@ -5668,43 +5743,6 @@
                   </a:txBody>
                   <a:tcPr/>
                 </a:tc>
-                <a:tc gridSpan="2">
-                  <a:txBody>
-                    <a:bodyPr/>
-                    <a:lstStyle/>
-                    <a:p>
-                      <a:pPr algn="ctr"/>
-                      <a:r>
-                        <a:rPr kumimoji="1" lang="en-US" altLang="ja-JP" dirty="0" err="1" smtClean="0">
-                          <a:solidFill>
-                            <a:schemeClr val="tx1"/>
-                          </a:solidFill>
-                          <a:latin typeface="Times New Roman" panose="02020603050405020304" pitchFamily="18" charset="0"/>
-                          <a:cs typeface="Times New Roman" panose="02020603050405020304" pitchFamily="18" charset="0"/>
-                        </a:rPr>
-                        <a:t>iOS</a:t>
-                      </a:r>
-                      <a:endParaRPr kumimoji="1" lang="ja-JP" altLang="en-US" dirty="0">
-                        <a:solidFill>
-                          <a:schemeClr val="tx1"/>
-                        </a:solidFill>
-                        <a:latin typeface="Times New Roman" panose="02020603050405020304" pitchFamily="18" charset="0"/>
-                        <a:cs typeface="Times New Roman" panose="02020603050405020304" pitchFamily="18" charset="0"/>
-                      </a:endParaRPr>
-                    </a:p>
-                  </a:txBody>
-                  <a:tcPr/>
-                </a:tc>
-                <a:tc hMerge="1">
-                  <a:txBody>
-                    <a:bodyPr/>
-                    <a:lstStyle/>
-                    <a:p>
-                      <a:endParaRPr kumimoji="1" lang="ja-JP" altLang="en-US" dirty="0"/>
-                    </a:p>
-                  </a:txBody>
-                  <a:tcPr/>
-                </a:tc>
               </a:tr>
               <a:tr h="370840">
                 <a:tc>
@@ -5839,6 +5877,60 @@
                           <a:latin typeface="Times New Roman" panose="02020603050405020304" pitchFamily="18" charset="0"/>
                           <a:cs typeface="Times New Roman" panose="02020603050405020304" pitchFamily="18" charset="0"/>
                         </a:rPr>
+                        <a:t>NET</a:t>
+                      </a:r>
+                      <a:r>
+                        <a:rPr kumimoji="1" lang="ja-JP" altLang="en-US" sz="4400" dirty="0" smtClean="0">
+                          <a:latin typeface="Times New Roman" panose="02020603050405020304" pitchFamily="18" charset="0"/>
+                          <a:cs typeface="Times New Roman" panose="02020603050405020304" pitchFamily="18" charset="0"/>
+                        </a:rPr>
+                        <a:t>麻雀</a:t>
+                      </a:r>
+                      <a:endParaRPr kumimoji="1" lang="ja-JP" altLang="en-US" sz="4400" dirty="0">
+                        <a:latin typeface="Times New Roman" panose="02020603050405020304" pitchFamily="18" charset="0"/>
+                        <a:cs typeface="Times New Roman" panose="02020603050405020304" pitchFamily="18" charset="0"/>
+                      </a:endParaRPr>
+                    </a:p>
+                  </a:txBody>
+                  <a:tcPr/>
+                </a:tc>
+                <a:tc>
+                  <a:txBody>
+                    <a:bodyPr/>
+                    <a:lstStyle/>
+                    <a:p>
+                      <a:r>
+                        <a:rPr kumimoji="1" lang="en-US" altLang="ja-JP" sz="4400" dirty="0" smtClean="0">
+                          <a:latin typeface="Times New Roman" panose="02020603050405020304" pitchFamily="18" charset="0"/>
+                          <a:cs typeface="Times New Roman" panose="02020603050405020304" pitchFamily="18" charset="0"/>
+                        </a:rPr>
+                        <a:t>Plague </a:t>
+                      </a:r>
+                      <a:r>
+                        <a:rPr kumimoji="1" lang="en-US" altLang="ja-JP" sz="4400" dirty="0" err="1" smtClean="0">
+                          <a:latin typeface="Times New Roman" panose="02020603050405020304" pitchFamily="18" charset="0"/>
+                          <a:cs typeface="Times New Roman" panose="02020603050405020304" pitchFamily="18" charset="0"/>
+                        </a:rPr>
+                        <a:t>Inc</a:t>
+                      </a:r>
+                      <a:endParaRPr kumimoji="1" lang="ja-JP" altLang="en-US" sz="4400" dirty="0">
+                        <a:latin typeface="Times New Roman" panose="02020603050405020304" pitchFamily="18" charset="0"/>
+                        <a:cs typeface="Times New Roman" panose="02020603050405020304" pitchFamily="18" charset="0"/>
+                      </a:endParaRPr>
+                    </a:p>
+                  </a:txBody>
+                  <a:tcPr/>
+                </a:tc>
+                <a:tc>
+                  <a:txBody>
+                    <a:bodyPr/>
+                    <a:lstStyle/>
+                    <a:p>
+                      <a:r>
+                        <a:rPr kumimoji="1" lang="en-US" altLang="ja-JP" sz="4400" dirty="0" smtClean="0">
+                          <a:latin typeface="Times New Roman" panose="02020603050405020304" pitchFamily="18" charset="0"/>
+                          <a:cs typeface="Times New Roman" panose="02020603050405020304" pitchFamily="18" charset="0"/>
+                        </a:rPr>
                         <a:t>LINE</a:t>
                       </a:r>
                       <a:r>
@@ -5867,60 +5959,6 @@
                           <a:cs typeface="Times New Roman" panose="02020603050405020304" pitchFamily="18" charset="0"/>
                         </a:rPr>
                         <a:t>ATOK</a:t>
-                      </a:r>
-                      <a:endParaRPr kumimoji="1" lang="ja-JP" altLang="en-US" sz="4400" dirty="0">
-                        <a:latin typeface="Times New Roman" panose="02020603050405020304" pitchFamily="18" charset="0"/>
-                        <a:cs typeface="Times New Roman" panose="02020603050405020304" pitchFamily="18" charset="0"/>
-                      </a:endParaRPr>
-                    </a:p>
-                  </a:txBody>
-                  <a:tcPr/>
-                </a:tc>
-                <a:tc>
-                  <a:txBody>
-                    <a:bodyPr/>
-                    <a:lstStyle/>
-                    <a:p>
-                      <a:r>
-                        <a:rPr kumimoji="1" lang="en-US" altLang="ja-JP" sz="4400" dirty="0" smtClean="0">
-                          <a:latin typeface="Times New Roman" panose="02020603050405020304" pitchFamily="18" charset="0"/>
-                          <a:cs typeface="Times New Roman" panose="02020603050405020304" pitchFamily="18" charset="0"/>
-                        </a:rPr>
-                        <a:t>NET</a:t>
-                      </a:r>
-                      <a:r>
-                        <a:rPr kumimoji="1" lang="ja-JP" altLang="en-US" sz="4400" dirty="0" smtClean="0">
-                          <a:latin typeface="Times New Roman" panose="02020603050405020304" pitchFamily="18" charset="0"/>
-                          <a:cs typeface="Times New Roman" panose="02020603050405020304" pitchFamily="18" charset="0"/>
-                        </a:rPr>
-                        <a:t>麻雀</a:t>
-                      </a:r>
-                      <a:endParaRPr kumimoji="1" lang="ja-JP" altLang="en-US" sz="4400" dirty="0">
-                        <a:latin typeface="Times New Roman" panose="02020603050405020304" pitchFamily="18" charset="0"/>
-                        <a:cs typeface="Times New Roman" panose="02020603050405020304" pitchFamily="18" charset="0"/>
-                      </a:endParaRPr>
-                    </a:p>
-                  </a:txBody>
-                  <a:tcPr/>
-                </a:tc>
-                <a:tc>
-                  <a:txBody>
-                    <a:bodyPr/>
-                    <a:lstStyle/>
-                    <a:p>
-                      <a:r>
-                        <a:rPr kumimoji="1" lang="en-US" altLang="ja-JP" sz="4400" dirty="0" smtClean="0">
-                          <a:latin typeface="Times New Roman" panose="02020603050405020304" pitchFamily="18" charset="0"/>
-                          <a:cs typeface="Times New Roman" panose="02020603050405020304" pitchFamily="18" charset="0"/>
-                        </a:rPr>
-                        <a:t>Plague </a:t>
-                      </a:r>
-                      <a:r>
-                        <a:rPr kumimoji="1" lang="en-US" altLang="ja-JP" sz="4400" dirty="0" err="1" smtClean="0">
-                          <a:latin typeface="Times New Roman" panose="02020603050405020304" pitchFamily="18" charset="0"/>
-                          <a:cs typeface="Times New Roman" panose="02020603050405020304" pitchFamily="18" charset="0"/>
-                        </a:rPr>
-                        <a:t>Inc</a:t>
                       </a:r>
                       <a:endParaRPr kumimoji="1" lang="ja-JP" altLang="en-US" sz="4400" dirty="0">
                         <a:latin typeface="Times New Roman" panose="02020603050405020304" pitchFamily="18" charset="0"/>
@@ -5958,6 +5996,53 @@
                           <a:latin typeface="Times New Roman" panose="02020603050405020304" pitchFamily="18" charset="0"/>
                           <a:cs typeface="Times New Roman" panose="02020603050405020304" pitchFamily="18" charset="0"/>
                         </a:rPr>
+                        <a:t>iOS7</a:t>
+                      </a:r>
+                      <a:r>
+                        <a:rPr kumimoji="1" lang="ja-JP" altLang="en-US" sz="4400" dirty="0" smtClean="0">
+                          <a:latin typeface="Times New Roman" panose="02020603050405020304" pitchFamily="18" charset="0"/>
+                          <a:cs typeface="Times New Roman" panose="02020603050405020304" pitchFamily="18" charset="0"/>
+                        </a:rPr>
+                        <a:t>用のアプリ</a:t>
+                      </a:r>
+                      <a:endParaRPr kumimoji="1" lang="ja-JP" altLang="en-US" sz="4400" dirty="0">
+                        <a:latin typeface="Times New Roman" panose="02020603050405020304" pitchFamily="18" charset="0"/>
+                        <a:cs typeface="Times New Roman" panose="02020603050405020304" pitchFamily="18" charset="0"/>
+                      </a:endParaRPr>
+                    </a:p>
+                  </a:txBody>
+                  <a:tcPr/>
+                </a:tc>
+                <a:tc>
+                  <a:txBody>
+                    <a:bodyPr/>
+                    <a:lstStyle/>
+                    <a:p>
+                      <a:r>
+                        <a:rPr kumimoji="1" lang="en-US" altLang="ja-JP" sz="4400" dirty="0" smtClean="0">
+                          <a:latin typeface="Times New Roman" panose="02020603050405020304" pitchFamily="18" charset="0"/>
+                          <a:cs typeface="Times New Roman" panose="02020603050405020304" pitchFamily="18" charset="0"/>
+                        </a:rPr>
+                        <a:t>Sleep application</a:t>
+                      </a:r>
+                      <a:endParaRPr kumimoji="1" lang="ja-JP" altLang="en-US" sz="4400" dirty="0">
+                        <a:latin typeface="Times New Roman" panose="02020603050405020304" pitchFamily="18" charset="0"/>
+                        <a:cs typeface="Times New Roman" panose="02020603050405020304" pitchFamily="18" charset="0"/>
+                      </a:endParaRPr>
+                    </a:p>
+                  </a:txBody>
+                  <a:tcPr/>
+                </a:tc>
+                <a:tc>
+                  <a:txBody>
+                    <a:bodyPr/>
+                    <a:lstStyle/>
+                    <a:p>
+                      <a:r>
+                        <a:rPr kumimoji="1" lang="en-US" altLang="ja-JP" sz="4400" dirty="0" smtClean="0">
+                          <a:latin typeface="Times New Roman" panose="02020603050405020304" pitchFamily="18" charset="0"/>
+                          <a:cs typeface="Times New Roman" panose="02020603050405020304" pitchFamily="18" charset="0"/>
+                        </a:rPr>
                         <a:t>LINE</a:t>
                       </a:r>
                       <a:r>
@@ -5986,53 +6071,6 @@
                           <a:cs typeface="Times New Roman" panose="02020603050405020304" pitchFamily="18" charset="0"/>
                         </a:rPr>
                         <a:t>FINAL FANTASY V</a:t>
-                      </a:r>
-                      <a:endParaRPr kumimoji="1" lang="ja-JP" altLang="en-US" sz="4400" dirty="0">
-                        <a:latin typeface="Times New Roman" panose="02020603050405020304" pitchFamily="18" charset="0"/>
-                        <a:cs typeface="Times New Roman" panose="02020603050405020304" pitchFamily="18" charset="0"/>
-                      </a:endParaRPr>
-                    </a:p>
-                  </a:txBody>
-                  <a:tcPr/>
-                </a:tc>
-                <a:tc>
-                  <a:txBody>
-                    <a:bodyPr/>
-                    <a:lstStyle/>
-                    <a:p>
-                      <a:r>
-                        <a:rPr kumimoji="1" lang="en-US" altLang="ja-JP" sz="4400" dirty="0" smtClean="0">
-                          <a:latin typeface="Times New Roman" panose="02020603050405020304" pitchFamily="18" charset="0"/>
-                          <a:cs typeface="Times New Roman" panose="02020603050405020304" pitchFamily="18" charset="0"/>
-                        </a:rPr>
-                        <a:t>iOS7</a:t>
-                      </a:r>
-                      <a:r>
-                        <a:rPr kumimoji="1" lang="ja-JP" altLang="en-US" sz="4400" dirty="0" smtClean="0">
-                          <a:latin typeface="Times New Roman" panose="02020603050405020304" pitchFamily="18" charset="0"/>
-                          <a:cs typeface="Times New Roman" panose="02020603050405020304" pitchFamily="18" charset="0"/>
-                        </a:rPr>
-                        <a:t>用のアプリ</a:t>
-                      </a:r>
-                      <a:endParaRPr kumimoji="1" lang="ja-JP" altLang="en-US" sz="4400" dirty="0">
-                        <a:latin typeface="Times New Roman" panose="02020603050405020304" pitchFamily="18" charset="0"/>
-                        <a:cs typeface="Times New Roman" panose="02020603050405020304" pitchFamily="18" charset="0"/>
-                      </a:endParaRPr>
-                    </a:p>
-                  </a:txBody>
-                  <a:tcPr/>
-                </a:tc>
-                <a:tc>
-                  <a:txBody>
-                    <a:bodyPr/>
-                    <a:lstStyle/>
-                    <a:p>
-                      <a:r>
-                        <a:rPr kumimoji="1" lang="en-US" altLang="ja-JP" sz="4400" dirty="0" smtClean="0">
-                          <a:latin typeface="Times New Roman" panose="02020603050405020304" pitchFamily="18" charset="0"/>
-                          <a:cs typeface="Times New Roman" panose="02020603050405020304" pitchFamily="18" charset="0"/>
-                        </a:rPr>
-                        <a:t>Sleep application</a:t>
                       </a:r>
                       <a:endParaRPr kumimoji="1" lang="ja-JP" altLang="en-US" sz="4400" dirty="0">
                         <a:latin typeface="Times New Roman" panose="02020603050405020304" pitchFamily="18" charset="0"/>
@@ -6070,6 +6108,59 @@
                     <a:lstStyle/>
                     <a:p>
                       <a:r>
+                        <a:rPr kumimoji="1" lang="ja-JP" altLang="en-US" sz="4400" dirty="0" smtClean="0">
+                          <a:latin typeface="Times New Roman" panose="02020603050405020304" pitchFamily="18" charset="0"/>
+                          <a:cs typeface="Times New Roman" panose="02020603050405020304" pitchFamily="18" charset="0"/>
+                        </a:rPr>
+                        <a:t>誓いのキスは</a:t>
+                      </a:r>
+                      <a:endParaRPr kumimoji="1" lang="en-US" altLang="ja-JP" sz="4400" dirty="0" smtClean="0">
+                        <a:latin typeface="Times New Roman" panose="02020603050405020304" pitchFamily="18" charset="0"/>
+                        <a:cs typeface="Times New Roman" panose="02020603050405020304" pitchFamily="18" charset="0"/>
+                      </a:endParaRPr>
+                    </a:p>
+                    <a:p>
+                      <a:r>
+                        <a:rPr kumimoji="1" lang="ja-JP" altLang="en-US" sz="4400" dirty="0" smtClean="0">
+                          <a:latin typeface="Times New Roman" panose="02020603050405020304" pitchFamily="18" charset="0"/>
+                          <a:cs typeface="Times New Roman" panose="02020603050405020304" pitchFamily="18" charset="0"/>
+                        </a:rPr>
+                        <a:t>突然に</a:t>
+                      </a:r>
+                      <a:endParaRPr kumimoji="1" lang="ja-JP" altLang="en-US" sz="4400" dirty="0">
+                        <a:latin typeface="Times New Roman" panose="02020603050405020304" pitchFamily="18" charset="0"/>
+                        <a:cs typeface="Times New Roman" panose="02020603050405020304" pitchFamily="18" charset="0"/>
+                      </a:endParaRPr>
+                    </a:p>
+                  </a:txBody>
+                  <a:tcPr/>
+                </a:tc>
+                <a:tc>
+                  <a:txBody>
+                    <a:bodyPr/>
+                    <a:lstStyle/>
+                    <a:p>
+                      <a:r>
+                        <a:rPr kumimoji="1" lang="ja-JP" altLang="en-US" sz="4400" dirty="0" smtClean="0">
+                          <a:latin typeface="Times New Roman" panose="02020603050405020304" pitchFamily="18" charset="0"/>
+                          <a:cs typeface="Times New Roman" panose="02020603050405020304" pitchFamily="18" charset="0"/>
+                        </a:rPr>
+                        <a:t>ウォーリー　</a:t>
+                      </a:r>
+                      <a:endParaRPr kumimoji="1" lang="ja-JP" altLang="en-US" sz="4400" dirty="0">
+                        <a:latin typeface="Times New Roman" panose="02020603050405020304" pitchFamily="18" charset="0"/>
+                        <a:cs typeface="Times New Roman" panose="02020603050405020304" pitchFamily="18" charset="0"/>
+                      </a:endParaRPr>
+                    </a:p>
+                  </a:txBody>
+                  <a:tcPr/>
+                </a:tc>
+                <a:tc>
+                  <a:txBody>
+                    <a:bodyPr/>
+                    <a:lstStyle/>
+                    <a:p>
+                      <a:r>
                         <a:rPr kumimoji="1" lang="en-US" altLang="ja-JP" sz="4400" dirty="0" smtClean="0">
                           <a:latin typeface="Times New Roman" panose="02020603050405020304" pitchFamily="18" charset="0"/>
                           <a:cs typeface="Times New Roman" panose="02020603050405020304" pitchFamily="18" charset="0"/>
@@ -6109,59 +6200,6 @@
                           <a:cs typeface="Times New Roman" panose="02020603050405020304" pitchFamily="18" charset="0"/>
                         </a:rPr>
                         <a:t> Full</a:t>
-                      </a:r>
-                      <a:endParaRPr kumimoji="1" lang="ja-JP" altLang="en-US" sz="4400" dirty="0">
-                        <a:latin typeface="Times New Roman" panose="02020603050405020304" pitchFamily="18" charset="0"/>
-                        <a:cs typeface="Times New Roman" panose="02020603050405020304" pitchFamily="18" charset="0"/>
-                      </a:endParaRPr>
-                    </a:p>
-                  </a:txBody>
-                  <a:tcPr/>
-                </a:tc>
-                <a:tc>
-                  <a:txBody>
-                    <a:bodyPr/>
-                    <a:lstStyle/>
-                    <a:p>
-                      <a:r>
-                        <a:rPr kumimoji="1" lang="ja-JP" altLang="en-US" sz="4400" dirty="0" smtClean="0">
-                          <a:latin typeface="Times New Roman" panose="02020603050405020304" pitchFamily="18" charset="0"/>
-                          <a:cs typeface="Times New Roman" panose="02020603050405020304" pitchFamily="18" charset="0"/>
-                        </a:rPr>
-                        <a:t>誓いのキスは</a:t>
-                      </a:r>
-                      <a:endParaRPr kumimoji="1" lang="en-US" altLang="ja-JP" sz="4400" dirty="0" smtClean="0">
-                        <a:latin typeface="Times New Roman" panose="02020603050405020304" pitchFamily="18" charset="0"/>
-                        <a:cs typeface="Times New Roman" panose="02020603050405020304" pitchFamily="18" charset="0"/>
-                      </a:endParaRPr>
-                    </a:p>
-                    <a:p>
-                      <a:r>
-                        <a:rPr kumimoji="1" lang="ja-JP" altLang="en-US" sz="4400" dirty="0" smtClean="0">
-                          <a:latin typeface="Times New Roman" panose="02020603050405020304" pitchFamily="18" charset="0"/>
-                          <a:cs typeface="Times New Roman" panose="02020603050405020304" pitchFamily="18" charset="0"/>
-                        </a:rPr>
-                        <a:t>突然に</a:t>
-                      </a:r>
-                      <a:endParaRPr kumimoji="1" lang="ja-JP" altLang="en-US" sz="4400" dirty="0">
-                        <a:latin typeface="Times New Roman" panose="02020603050405020304" pitchFamily="18" charset="0"/>
-                        <a:cs typeface="Times New Roman" panose="02020603050405020304" pitchFamily="18" charset="0"/>
-                      </a:endParaRPr>
-                    </a:p>
-                  </a:txBody>
-                  <a:tcPr/>
-                </a:tc>
-                <a:tc>
-                  <a:txBody>
-                    <a:bodyPr/>
-                    <a:lstStyle/>
-                    <a:p>
-                      <a:r>
-                        <a:rPr kumimoji="1" lang="ja-JP" altLang="en-US" sz="4400" dirty="0" smtClean="0">
-                          <a:latin typeface="Times New Roman" panose="02020603050405020304" pitchFamily="18" charset="0"/>
-                          <a:cs typeface="Times New Roman" panose="02020603050405020304" pitchFamily="18" charset="0"/>
-                        </a:rPr>
-                        <a:t>ウォーリー　</a:t>
                       </a:r>
                       <a:endParaRPr kumimoji="1" lang="ja-JP" altLang="en-US" sz="4400" dirty="0">
                         <a:latin typeface="Times New Roman" panose="02020603050405020304" pitchFamily="18" charset="0"/>
@@ -6199,10 +6237,64 @@
                     <a:lstStyle/>
                     <a:p>
                       <a:r>
+                        <a:rPr kumimoji="1" lang="ja-JP" altLang="en-US" sz="4400" dirty="0" smtClean="0">
+                          <a:latin typeface="Times New Roman" panose="02020603050405020304" pitchFamily="18" charset="0"/>
+                          <a:cs typeface="Times New Roman" panose="02020603050405020304" pitchFamily="18" charset="0"/>
+                        </a:rPr>
+                        <a:t>ゴールデンエッグス</a:t>
+                      </a:r>
+                      <a:endParaRPr kumimoji="1" lang="ja-JP" altLang="en-US" sz="4400" dirty="0">
+                        <a:latin typeface="Times New Roman" panose="02020603050405020304" pitchFamily="18" charset="0"/>
+                        <a:cs typeface="Times New Roman" panose="02020603050405020304" pitchFamily="18" charset="0"/>
+                      </a:endParaRPr>
+                    </a:p>
+                  </a:txBody>
+                  <a:tcPr/>
+                </a:tc>
+                <a:tc>
+                  <a:txBody>
+                    <a:bodyPr/>
+                    <a:lstStyle/>
+                    <a:p>
+                      <a:r>
+                        <a:rPr kumimoji="1" lang="ja-JP" altLang="en-US" sz="4400" dirty="0" smtClean="0">
+                          <a:latin typeface="Times New Roman" panose="02020603050405020304" pitchFamily="18" charset="0"/>
+                          <a:cs typeface="Times New Roman" panose="02020603050405020304" pitchFamily="18" charset="0"/>
+                        </a:rPr>
+                        <a:t>釣り</a:t>
+                      </a:r>
+                      <a:r>
                         <a:rPr kumimoji="1" lang="en-US" altLang="ja-JP" sz="4400" dirty="0" smtClean="0">
                           <a:latin typeface="Times New Roman" panose="02020603050405020304" pitchFamily="18" charset="0"/>
                           <a:cs typeface="Times New Roman" panose="02020603050405020304" pitchFamily="18" charset="0"/>
                         </a:rPr>
+                        <a:t>RPG</a:t>
+                      </a:r>
+                      <a:r>
+                        <a:rPr kumimoji="1" lang="ja-JP" altLang="en-US" sz="4400" dirty="0" smtClean="0">
+                          <a:latin typeface="Times New Roman" panose="02020603050405020304" pitchFamily="18" charset="0"/>
+                          <a:cs typeface="Times New Roman" panose="02020603050405020304" pitchFamily="18" charset="0"/>
+                        </a:rPr>
+                        <a:t>ドラゴンフィッシ</a:t>
+                      </a:r>
+                      <a:endParaRPr kumimoji="1" lang="ja-JP" altLang="en-US" sz="4400" dirty="0">
+                        <a:latin typeface="Times New Roman" panose="02020603050405020304" pitchFamily="18" charset="0"/>
+                        <a:cs typeface="Times New Roman" panose="02020603050405020304" pitchFamily="18" charset="0"/>
+                      </a:endParaRPr>
+                    </a:p>
+                  </a:txBody>
+                  <a:tcPr/>
+                </a:tc>
+                <a:tc>
+                  <a:txBody>
+                    <a:bodyPr/>
+                    <a:lstStyle/>
+                    <a:p>
+                      <a:r>
+                        <a:rPr kumimoji="1" lang="en-US" altLang="ja-JP" sz="4400" dirty="0" smtClean="0">
+                          <a:latin typeface="Times New Roman" panose="02020603050405020304" pitchFamily="18" charset="0"/>
+                          <a:cs typeface="Times New Roman" panose="02020603050405020304" pitchFamily="18" charset="0"/>
+                        </a:rPr>
                         <a:t>Twitter</a:t>
                       </a:r>
                       <a:endParaRPr kumimoji="1" lang="ja-JP" altLang="en-US" sz="4400" dirty="0">
@@ -6224,60 +6316,6 @@
                           <a:cs typeface="Times New Roman" panose="02020603050405020304" pitchFamily="18" charset="0"/>
                         </a:rPr>
                         <a:t>パチスロ機</a:t>
-                      </a:r>
-                      <a:endParaRPr kumimoji="1" lang="ja-JP" altLang="en-US" sz="4400" dirty="0">
-                        <a:latin typeface="Times New Roman" panose="02020603050405020304" pitchFamily="18" charset="0"/>
-                        <a:cs typeface="Times New Roman" panose="02020603050405020304" pitchFamily="18" charset="0"/>
-                      </a:endParaRPr>
-                    </a:p>
-                  </a:txBody>
-                  <a:tcPr/>
-                </a:tc>
-                <a:tc>
-                  <a:txBody>
-                    <a:bodyPr/>
-                    <a:lstStyle/>
-                    <a:p>
-                      <a:r>
-                        <a:rPr kumimoji="1" lang="ja-JP" altLang="en-US" sz="4400" dirty="0" smtClean="0">
-                          <a:latin typeface="Times New Roman" panose="02020603050405020304" pitchFamily="18" charset="0"/>
-                          <a:cs typeface="Times New Roman" panose="02020603050405020304" pitchFamily="18" charset="0"/>
-                        </a:rPr>
-                        <a:t>ゴールデンエッグス</a:t>
-                      </a:r>
-                      <a:endParaRPr kumimoji="1" lang="ja-JP" altLang="en-US" sz="4400" dirty="0">
-                        <a:latin typeface="Times New Roman" panose="02020603050405020304" pitchFamily="18" charset="0"/>
-                        <a:cs typeface="Times New Roman" panose="02020603050405020304" pitchFamily="18" charset="0"/>
-                      </a:endParaRPr>
-                    </a:p>
-                  </a:txBody>
-                  <a:tcPr/>
-                </a:tc>
-                <a:tc>
-                  <a:txBody>
-                    <a:bodyPr/>
-                    <a:lstStyle/>
-                    <a:p>
-                      <a:r>
-                        <a:rPr kumimoji="1" lang="ja-JP" altLang="en-US" sz="4400" dirty="0" smtClean="0">
-                          <a:latin typeface="Times New Roman" panose="02020603050405020304" pitchFamily="18" charset="0"/>
-                          <a:cs typeface="Times New Roman" panose="02020603050405020304" pitchFamily="18" charset="0"/>
-                        </a:rPr>
-                        <a:t>釣り</a:t>
-                      </a:r>
-                      <a:r>
-                        <a:rPr kumimoji="1" lang="en-US" altLang="ja-JP" sz="4400" dirty="0" smtClean="0">
-                          <a:latin typeface="Times New Roman" panose="02020603050405020304" pitchFamily="18" charset="0"/>
-                          <a:cs typeface="Times New Roman" panose="02020603050405020304" pitchFamily="18" charset="0"/>
-                        </a:rPr>
-                        <a:t>RPG</a:t>
-                      </a:r>
-                      <a:r>
-                        <a:rPr kumimoji="1" lang="ja-JP" altLang="en-US" sz="4400" dirty="0" smtClean="0">
-                          <a:latin typeface="Times New Roman" panose="02020603050405020304" pitchFamily="18" charset="0"/>
-                          <a:cs typeface="Times New Roman" panose="02020603050405020304" pitchFamily="18" charset="0"/>
-                        </a:rPr>
-                        <a:t>ドラゴンフィッシ</a:t>
                       </a:r>
                       <a:endParaRPr kumimoji="1" lang="ja-JP" altLang="en-US" sz="4400" dirty="0">
                         <a:latin typeface="Times New Roman" panose="02020603050405020304" pitchFamily="18" charset="0"/>
@@ -6319,6 +6357,81 @@
                           <a:latin typeface="Times New Roman" panose="02020603050405020304" pitchFamily="18" charset="0"/>
                           <a:cs typeface="Times New Roman" panose="02020603050405020304" pitchFamily="18" charset="0"/>
                         </a:rPr>
+                        <a:t>裏ワザ</a:t>
+                      </a:r>
+                      <a:r>
+                        <a:rPr kumimoji="1" lang="en-US" altLang="ja-JP" sz="4400" dirty="0" smtClean="0">
+                          <a:latin typeface="Times New Roman" panose="02020603050405020304" pitchFamily="18" charset="0"/>
+                          <a:cs typeface="Times New Roman" panose="02020603050405020304" pitchFamily="18" charset="0"/>
+                        </a:rPr>
+                        <a:t>for iPhone</a:t>
+                      </a:r>
+                      <a:endParaRPr kumimoji="1" lang="ja-JP" altLang="en-US" sz="4400" dirty="0">
+                        <a:latin typeface="Times New Roman" panose="02020603050405020304" pitchFamily="18" charset="0"/>
+                        <a:cs typeface="Times New Roman" panose="02020603050405020304" pitchFamily="18" charset="0"/>
+                      </a:endParaRPr>
+                    </a:p>
+                  </a:txBody>
+                  <a:tcPr/>
+                </a:tc>
+                <a:tc>
+                  <a:txBody>
+                    <a:bodyPr/>
+                    <a:lstStyle/>
+                    <a:p>
+                      <a:r>
+                        <a:rPr kumimoji="1" lang="en-US" altLang="ja-JP" sz="4400" dirty="0" smtClean="0">
+                          <a:latin typeface="Times New Roman" panose="02020603050405020304" pitchFamily="18" charset="0"/>
+                          <a:cs typeface="Times New Roman" panose="02020603050405020304" pitchFamily="18" charset="0"/>
+                        </a:rPr>
+                        <a:t>Sight</a:t>
+                      </a:r>
+                      <a:r>
+                        <a:rPr kumimoji="1" lang="ja-JP" altLang="en-US" sz="4400" dirty="0" smtClean="0">
+                          <a:latin typeface="Times New Roman" panose="02020603050405020304" pitchFamily="18" charset="0"/>
+                          <a:cs typeface="Times New Roman" panose="02020603050405020304" pitchFamily="18" charset="0"/>
+                        </a:rPr>
+                        <a:t>　</a:t>
+                      </a:r>
+                      <a:r>
+                        <a:rPr kumimoji="1" lang="en-US" altLang="ja-JP" sz="4400" dirty="0" smtClean="0">
+                          <a:latin typeface="Times New Roman" panose="02020603050405020304" pitchFamily="18" charset="0"/>
+                          <a:cs typeface="Times New Roman" panose="02020603050405020304" pitchFamily="18" charset="0"/>
+                        </a:rPr>
+                        <a:t>Recover</a:t>
+                      </a:r>
+                      <a:r>
+                        <a:rPr kumimoji="1" lang="ja-JP" altLang="en-US" sz="4400" dirty="0" smtClean="0">
+                          <a:latin typeface="Times New Roman" panose="02020603050405020304" pitchFamily="18" charset="0"/>
+                          <a:cs typeface="Times New Roman" panose="02020603050405020304" pitchFamily="18" charset="0"/>
+                        </a:rPr>
+                        <a:t>　３</a:t>
+                      </a:r>
+                      <a:r>
+                        <a:rPr kumimoji="1" lang="en-US" altLang="ja-JP" sz="4400" dirty="0" smtClean="0">
+                          <a:latin typeface="Times New Roman" panose="02020603050405020304" pitchFamily="18" charset="0"/>
+                          <a:cs typeface="Times New Roman" panose="02020603050405020304" pitchFamily="18" charset="0"/>
+                        </a:rPr>
+                        <a:t>D</a:t>
+                      </a:r>
+                      <a:endParaRPr kumimoji="1" lang="ja-JP" altLang="en-US" sz="4400" dirty="0">
+                        <a:latin typeface="Times New Roman" panose="02020603050405020304" pitchFamily="18" charset="0"/>
+                        <a:cs typeface="Times New Roman" panose="02020603050405020304" pitchFamily="18" charset="0"/>
+                      </a:endParaRPr>
+                    </a:p>
+                  </a:txBody>
+                  <a:tcPr/>
+                </a:tc>
+                <a:tc>
+                  <a:txBody>
+                    <a:bodyPr/>
+                    <a:lstStyle/>
+                    <a:p>
+                      <a:r>
+                        <a:rPr kumimoji="1" lang="ja-JP" altLang="en-US" sz="4400" dirty="0" smtClean="0">
+                          <a:latin typeface="Times New Roman" panose="02020603050405020304" pitchFamily="18" charset="0"/>
+                          <a:cs typeface="Times New Roman" panose="02020603050405020304" pitchFamily="18" charset="0"/>
+                        </a:rPr>
                         <a:t>怪盗グルーの</a:t>
                       </a:r>
                       <a:endParaRPr kumimoji="1" lang="en-US" altLang="ja-JP" sz="4400" dirty="0" smtClean="0">
@@ -6353,81 +6466,6 @@
                           <a:cs typeface="Times New Roman" panose="02020603050405020304" pitchFamily="18" charset="0"/>
                         </a:rPr>
                         <a:t>Mine craft</a:t>
-                      </a:r>
-                      <a:endParaRPr kumimoji="1" lang="ja-JP" altLang="en-US" sz="4400" dirty="0">
-                        <a:latin typeface="Times New Roman" panose="02020603050405020304" pitchFamily="18" charset="0"/>
-                        <a:cs typeface="Times New Roman" panose="02020603050405020304" pitchFamily="18" charset="0"/>
-                      </a:endParaRPr>
-                    </a:p>
-                  </a:txBody>
-                  <a:tcPr/>
-                </a:tc>
-                <a:tc>
-                  <a:txBody>
-                    <a:bodyPr/>
-                    <a:lstStyle/>
-                    <a:p>
-                      <a:r>
-                        <a:rPr kumimoji="1" lang="ja-JP" altLang="en-US" sz="4400" dirty="0" smtClean="0">
-                          <a:latin typeface="Times New Roman" panose="02020603050405020304" pitchFamily="18" charset="0"/>
-                          <a:cs typeface="Times New Roman" panose="02020603050405020304" pitchFamily="18" charset="0"/>
-                        </a:rPr>
-                        <a:t>裏ワザ</a:t>
-                      </a:r>
-                      <a:r>
-                        <a:rPr kumimoji="1" lang="en-US" altLang="ja-JP" sz="4400" dirty="0" smtClean="0">
-                          <a:latin typeface="Times New Roman" panose="02020603050405020304" pitchFamily="18" charset="0"/>
-                          <a:cs typeface="Times New Roman" panose="02020603050405020304" pitchFamily="18" charset="0"/>
-                        </a:rPr>
-                        <a:t>for iPhone</a:t>
-                      </a:r>
-                      <a:endParaRPr kumimoji="1" lang="ja-JP" altLang="en-US" sz="4400" dirty="0">
-                        <a:latin typeface="Times New Roman" panose="02020603050405020304" pitchFamily="18" charset="0"/>
-                        <a:cs typeface="Times New Roman" panose="02020603050405020304" pitchFamily="18" charset="0"/>
-                      </a:endParaRPr>
-                    </a:p>
-                  </a:txBody>
-                  <a:tcPr/>
-                </a:tc>
-                <a:tc>
-                  <a:txBody>
-                    <a:bodyPr/>
-                    <a:lstStyle/>
-                    <a:p>
-                      <a:r>
-                        <a:rPr kumimoji="1" lang="en-US" altLang="ja-JP" sz="4400" dirty="0" smtClean="0">
-                          <a:latin typeface="Times New Roman" panose="02020603050405020304" pitchFamily="18" charset="0"/>
-                          <a:cs typeface="Times New Roman" panose="02020603050405020304" pitchFamily="18" charset="0"/>
-                        </a:rPr>
-                        <a:t>Sight</a:t>
-                      </a:r>
-                      <a:r>
-                        <a:rPr kumimoji="1" lang="ja-JP" altLang="en-US" sz="4400" dirty="0" smtClean="0">
-                          <a:latin typeface="Times New Roman" panose="02020603050405020304" pitchFamily="18" charset="0"/>
-                          <a:cs typeface="Times New Roman" panose="02020603050405020304" pitchFamily="18" charset="0"/>
-                        </a:rPr>
-                        <a:t>　</a:t>
-                      </a:r>
-                      <a:r>
-                        <a:rPr kumimoji="1" lang="en-US" altLang="ja-JP" sz="4400" dirty="0" smtClean="0">
-                          <a:latin typeface="Times New Roman" panose="02020603050405020304" pitchFamily="18" charset="0"/>
-                          <a:cs typeface="Times New Roman" panose="02020603050405020304" pitchFamily="18" charset="0"/>
-                        </a:rPr>
-                        <a:t>Recover</a:t>
-                      </a:r>
-                      <a:r>
-                        <a:rPr kumimoji="1" lang="ja-JP" altLang="en-US" sz="4400" dirty="0" smtClean="0">
-                          <a:latin typeface="Times New Roman" panose="02020603050405020304" pitchFamily="18" charset="0"/>
-                          <a:cs typeface="Times New Roman" panose="02020603050405020304" pitchFamily="18" charset="0"/>
-                        </a:rPr>
-                        <a:t>　３</a:t>
-                      </a:r>
-                      <a:r>
-                        <a:rPr kumimoji="1" lang="en-US" altLang="ja-JP" sz="4400" dirty="0" smtClean="0">
-                          <a:latin typeface="Times New Roman" panose="02020603050405020304" pitchFamily="18" charset="0"/>
-                          <a:cs typeface="Times New Roman" panose="02020603050405020304" pitchFamily="18" charset="0"/>
-                        </a:rPr>
-                        <a:t>D</a:t>
                       </a:r>
                       <a:endParaRPr kumimoji="1" lang="ja-JP" altLang="en-US" sz="4400" dirty="0">
                         <a:latin typeface="Times New Roman" panose="02020603050405020304" pitchFamily="18" charset="0"/>
@@ -6469,6 +6507,59 @@
                           <a:latin typeface="Times New Roman" panose="02020603050405020304" pitchFamily="18" charset="0"/>
                           <a:cs typeface="Times New Roman" panose="02020603050405020304" pitchFamily="18" charset="0"/>
                         </a:rPr>
+                        <a:t>雲を走れ！</a:t>
+                      </a:r>
+                      <a:endParaRPr kumimoji="1" lang="ja-JP" altLang="en-US" sz="4400" dirty="0">
+                        <a:latin typeface="Times New Roman" panose="02020603050405020304" pitchFamily="18" charset="0"/>
+                        <a:cs typeface="Times New Roman" panose="02020603050405020304" pitchFamily="18" charset="0"/>
+                      </a:endParaRPr>
+                    </a:p>
+                  </a:txBody>
+                  <a:tcPr/>
+                </a:tc>
+                <a:tc>
+                  <a:txBody>
+                    <a:bodyPr/>
+                    <a:lstStyle/>
+                    <a:p>
+                      <a:r>
+                        <a:rPr kumimoji="1" lang="ja-JP" altLang="en-US" sz="4400" dirty="0" smtClean="0">
+                          <a:latin typeface="Times New Roman" panose="02020603050405020304" pitchFamily="18" charset="0"/>
+                          <a:cs typeface="Times New Roman" panose="02020603050405020304" pitchFamily="18" charset="0"/>
+                        </a:rPr>
+                        <a:t>スクリーン</a:t>
+                      </a:r>
+                      <a:endParaRPr kumimoji="1" lang="en-US" altLang="ja-JP" sz="4400" dirty="0" smtClean="0">
+                        <a:latin typeface="Times New Roman" panose="02020603050405020304" pitchFamily="18" charset="0"/>
+                        <a:cs typeface="Times New Roman" panose="02020603050405020304" pitchFamily="18" charset="0"/>
+                      </a:endParaRPr>
+                    </a:p>
+                    <a:p>
+                      <a:r>
+                        <a:rPr kumimoji="1" lang="ja-JP" altLang="en-US" sz="4400" dirty="0" smtClean="0">
+                          <a:latin typeface="Times New Roman" panose="02020603050405020304" pitchFamily="18" charset="0"/>
+                          <a:cs typeface="Times New Roman" panose="02020603050405020304" pitchFamily="18" charset="0"/>
+                        </a:rPr>
+                        <a:t>改造計画</a:t>
+                      </a:r>
+                      <a:endParaRPr kumimoji="1" lang="ja-JP" altLang="en-US" sz="4400" dirty="0">
+                        <a:latin typeface="Times New Roman" panose="02020603050405020304" pitchFamily="18" charset="0"/>
+                        <a:cs typeface="Times New Roman" panose="02020603050405020304" pitchFamily="18" charset="0"/>
+                      </a:endParaRPr>
+                    </a:p>
+                  </a:txBody>
+                  <a:tcPr/>
+                </a:tc>
+                <a:tc>
+                  <a:txBody>
+                    <a:bodyPr/>
+                    <a:lstStyle/>
+                    <a:p>
+                      <a:r>
+                        <a:rPr kumimoji="1" lang="ja-JP" altLang="en-US" sz="4400" dirty="0" smtClean="0">
+                          <a:latin typeface="Times New Roman" panose="02020603050405020304" pitchFamily="18" charset="0"/>
+                          <a:cs typeface="Times New Roman" panose="02020603050405020304" pitchFamily="18" charset="0"/>
+                        </a:rPr>
                         <a:t>パズル＆ドラゴン</a:t>
                       </a:r>
                       <a:endParaRPr kumimoji="1" lang="ja-JP" altLang="en-US" sz="4400" dirty="0">
@@ -6492,59 +6583,6 @@
                         <a:t>パチスロ機</a:t>
                       </a:r>
                       <a:endParaRPr kumimoji="1" lang="en-US" altLang="ja-JP" sz="4400" dirty="0" smtClean="0">
-                        <a:latin typeface="Times New Roman" panose="02020603050405020304" pitchFamily="18" charset="0"/>
-                        <a:cs typeface="Times New Roman" panose="02020603050405020304" pitchFamily="18" charset="0"/>
-                      </a:endParaRPr>
-                    </a:p>
-                  </a:txBody>
-                  <a:tcPr/>
-                </a:tc>
-                <a:tc>
-                  <a:txBody>
-                    <a:bodyPr/>
-                    <a:lstStyle/>
-                    <a:p>
-                      <a:r>
-                        <a:rPr kumimoji="1" lang="ja-JP" altLang="en-US" sz="4400" dirty="0" smtClean="0">
-                          <a:latin typeface="Times New Roman" panose="02020603050405020304" pitchFamily="18" charset="0"/>
-                          <a:cs typeface="Times New Roman" panose="02020603050405020304" pitchFamily="18" charset="0"/>
-                        </a:rPr>
-                        <a:t>雲を走れ！</a:t>
-                      </a:r>
-                      <a:endParaRPr kumimoji="1" lang="ja-JP" altLang="en-US" sz="4400" dirty="0">
-                        <a:latin typeface="Times New Roman" panose="02020603050405020304" pitchFamily="18" charset="0"/>
-                        <a:cs typeface="Times New Roman" panose="02020603050405020304" pitchFamily="18" charset="0"/>
-                      </a:endParaRPr>
-                    </a:p>
-                  </a:txBody>
-                  <a:tcPr/>
-                </a:tc>
-                <a:tc>
-                  <a:txBody>
-                    <a:bodyPr/>
-                    <a:lstStyle/>
-                    <a:p>
-                      <a:r>
-                        <a:rPr kumimoji="1" lang="ja-JP" altLang="en-US" sz="4400" dirty="0" smtClean="0">
-                          <a:latin typeface="Times New Roman" panose="02020603050405020304" pitchFamily="18" charset="0"/>
-                          <a:cs typeface="Times New Roman" panose="02020603050405020304" pitchFamily="18" charset="0"/>
-                        </a:rPr>
-                        <a:t>スクリーン</a:t>
-                      </a:r>
-                      <a:endParaRPr kumimoji="1" lang="en-US" altLang="ja-JP" sz="4400" dirty="0" smtClean="0">
-                        <a:latin typeface="Times New Roman" panose="02020603050405020304" pitchFamily="18" charset="0"/>
-                        <a:cs typeface="Times New Roman" panose="02020603050405020304" pitchFamily="18" charset="0"/>
-                      </a:endParaRPr>
-                    </a:p>
-                    <a:p>
-                      <a:r>
-                        <a:rPr kumimoji="1" lang="ja-JP" altLang="en-US" sz="4400" dirty="0" smtClean="0">
-                          <a:latin typeface="Times New Roman" panose="02020603050405020304" pitchFamily="18" charset="0"/>
-                          <a:cs typeface="Times New Roman" panose="02020603050405020304" pitchFamily="18" charset="0"/>
-                        </a:rPr>
-                        <a:t>改造計画</a:t>
-                      </a:r>
-                      <a:endParaRPr kumimoji="1" lang="ja-JP" altLang="en-US" sz="4400" dirty="0">
                         <a:latin typeface="Times New Roman" panose="02020603050405020304" pitchFamily="18" charset="0"/>
                         <a:cs typeface="Times New Roman" panose="02020603050405020304" pitchFamily="18" charset="0"/>
                       </a:endParaRPr>
@@ -6586,6 +6624,59 @@
                         </a:rPr>
                         <a:t>LINE</a:t>
                       </a:r>
+                      <a:endParaRPr kumimoji="1" lang="ja-JP" altLang="en-US" sz="4400" dirty="0">
+                        <a:latin typeface="Times New Roman" panose="02020603050405020304" pitchFamily="18" charset="0"/>
+                        <a:cs typeface="Times New Roman" panose="02020603050405020304" pitchFamily="18" charset="0"/>
+                      </a:endParaRPr>
+                    </a:p>
+                  </a:txBody>
+                  <a:tcPr/>
+                </a:tc>
+                <a:tc>
+                  <a:txBody>
+                    <a:bodyPr/>
+                    <a:lstStyle/>
+                    <a:p>
+                      <a:r>
+                        <a:rPr kumimoji="1" lang="ja-JP" altLang="en-US" sz="4400" dirty="0" smtClean="0">
+                          <a:latin typeface="Times New Roman" panose="02020603050405020304" pitchFamily="18" charset="0"/>
+                          <a:cs typeface="Times New Roman" panose="02020603050405020304" pitchFamily="18" charset="0"/>
+                        </a:rPr>
+                        <a:t>プロ無料音楽</a:t>
+                      </a:r>
+                      <a:endParaRPr kumimoji="1" lang="en-US" altLang="ja-JP" sz="4400" dirty="0" smtClean="0">
+                        <a:latin typeface="Times New Roman" panose="02020603050405020304" pitchFamily="18" charset="0"/>
+                        <a:cs typeface="Times New Roman" panose="02020603050405020304" pitchFamily="18" charset="0"/>
+                      </a:endParaRPr>
+                    </a:p>
+                    <a:p>
+                      <a:r>
+                        <a:rPr kumimoji="1" lang="ja-JP" altLang="en-US" sz="4400" dirty="0" smtClean="0">
+                          <a:latin typeface="Times New Roman" panose="02020603050405020304" pitchFamily="18" charset="0"/>
+                          <a:cs typeface="Times New Roman" panose="02020603050405020304" pitchFamily="18" charset="0"/>
+                        </a:rPr>
+                        <a:t>アルバム</a:t>
+                      </a:r>
+                      <a:endParaRPr kumimoji="1" lang="ja-JP" altLang="en-US" sz="4400" dirty="0">
+                        <a:latin typeface="Times New Roman" panose="02020603050405020304" pitchFamily="18" charset="0"/>
+                        <a:cs typeface="Times New Roman" panose="02020603050405020304" pitchFamily="18" charset="0"/>
+                      </a:endParaRPr>
+                    </a:p>
+                  </a:txBody>
+                  <a:tcPr/>
+                </a:tc>
+                <a:tc>
+                  <a:txBody>
+                    <a:bodyPr/>
+                    <a:lstStyle/>
+                    <a:p>
+                      <a:r>
+                        <a:rPr kumimoji="1" lang="en-US" altLang="ja-JP" sz="4400" dirty="0" smtClean="0">
+                          <a:latin typeface="Times New Roman" panose="02020603050405020304" pitchFamily="18" charset="0"/>
+                          <a:cs typeface="Times New Roman" panose="02020603050405020304" pitchFamily="18" charset="0"/>
+                        </a:rPr>
+                        <a:t>LINE</a:t>
+                      </a:r>
                       <a:r>
                         <a:rPr kumimoji="1" lang="ja-JP" altLang="en-US" sz="4400" baseline="0" dirty="0" smtClean="0">
                           <a:latin typeface="Times New Roman" panose="02020603050405020304" pitchFamily="18" charset="0"/>
@@ -6619,59 +6710,6 @@
                           <a:cs typeface="Times New Roman" panose="02020603050405020304" pitchFamily="18" charset="0"/>
                         </a:rPr>
                         <a:t>パチスロ機</a:t>
-                      </a:r>
-                      <a:endParaRPr kumimoji="1" lang="ja-JP" altLang="en-US" sz="4400" dirty="0">
-                        <a:latin typeface="Times New Roman" panose="02020603050405020304" pitchFamily="18" charset="0"/>
-                        <a:cs typeface="Times New Roman" panose="02020603050405020304" pitchFamily="18" charset="0"/>
-                      </a:endParaRPr>
-                    </a:p>
-                  </a:txBody>
-                  <a:tcPr/>
-                </a:tc>
-                <a:tc>
-                  <a:txBody>
-                    <a:bodyPr/>
-                    <a:lstStyle/>
-                    <a:p>
-                      <a:r>
-                        <a:rPr kumimoji="1" lang="en-US" altLang="ja-JP" sz="4400" dirty="0" smtClean="0">
-                          <a:latin typeface="Times New Roman" panose="02020603050405020304" pitchFamily="18" charset="0"/>
-                          <a:cs typeface="Times New Roman" panose="02020603050405020304" pitchFamily="18" charset="0"/>
-                        </a:rPr>
-                        <a:t>LINE</a:t>
-                      </a:r>
-                      <a:endParaRPr kumimoji="1" lang="ja-JP" altLang="en-US" sz="4400" dirty="0">
-                        <a:latin typeface="Times New Roman" panose="02020603050405020304" pitchFamily="18" charset="0"/>
-                        <a:cs typeface="Times New Roman" panose="02020603050405020304" pitchFamily="18" charset="0"/>
-                      </a:endParaRPr>
-                    </a:p>
-                  </a:txBody>
-                  <a:tcPr/>
-                </a:tc>
-                <a:tc>
-                  <a:txBody>
-                    <a:bodyPr/>
-                    <a:lstStyle/>
-                    <a:p>
-                      <a:r>
-                        <a:rPr kumimoji="1" lang="ja-JP" altLang="en-US" sz="4400" dirty="0" smtClean="0">
-                          <a:latin typeface="Times New Roman" panose="02020603050405020304" pitchFamily="18" charset="0"/>
-                          <a:cs typeface="Times New Roman" panose="02020603050405020304" pitchFamily="18" charset="0"/>
-                        </a:rPr>
-                        <a:t>プロ無料音楽</a:t>
-                      </a:r>
-                      <a:endParaRPr kumimoji="1" lang="en-US" altLang="ja-JP" sz="4400" dirty="0" smtClean="0">
-                        <a:latin typeface="Times New Roman" panose="02020603050405020304" pitchFamily="18" charset="0"/>
-                        <a:cs typeface="Times New Roman" panose="02020603050405020304" pitchFamily="18" charset="0"/>
-                      </a:endParaRPr>
-                    </a:p>
-                    <a:p>
-                      <a:r>
-                        <a:rPr kumimoji="1" lang="ja-JP" altLang="en-US" sz="4400" dirty="0" smtClean="0">
-                          <a:latin typeface="Times New Roman" panose="02020603050405020304" pitchFamily="18" charset="0"/>
-                          <a:cs typeface="Times New Roman" panose="02020603050405020304" pitchFamily="18" charset="0"/>
-                        </a:rPr>
-                        <a:t>アルバム</a:t>
                       </a:r>
                       <a:endParaRPr kumimoji="1" lang="ja-JP" altLang="en-US" sz="4400" dirty="0">
                         <a:latin typeface="Times New Roman" panose="02020603050405020304" pitchFamily="18" charset="0"/>
@@ -6709,6 +6747,46 @@
                     <a:lstStyle/>
                     <a:p>
                       <a:r>
+                        <a:rPr kumimoji="1" lang="ja-JP" altLang="en-US" sz="4400" dirty="0" smtClean="0">
+                          <a:latin typeface="Times New Roman" panose="02020603050405020304" pitchFamily="18" charset="0"/>
+                          <a:cs typeface="Times New Roman" panose="02020603050405020304" pitchFamily="18" charset="0"/>
+                        </a:rPr>
+                        <a:t>アニメ全話無料</a:t>
+                      </a:r>
+                      <a:endParaRPr kumimoji="1" lang="ja-JP" altLang="en-US" sz="4400" dirty="0">
+                        <a:latin typeface="Times New Roman" panose="02020603050405020304" pitchFamily="18" charset="0"/>
+                        <a:cs typeface="Times New Roman" panose="02020603050405020304" pitchFamily="18" charset="0"/>
+                      </a:endParaRPr>
+                    </a:p>
+                  </a:txBody>
+                  <a:tcPr/>
+                </a:tc>
+                <a:tc>
+                  <a:txBody>
+                    <a:bodyPr/>
+                    <a:lstStyle/>
+                    <a:p>
+                      <a:r>
+                        <a:rPr kumimoji="1" lang="ja-JP" altLang="en-US" sz="4400" dirty="0" smtClean="0">
+                          <a:latin typeface="Times New Roman" panose="02020603050405020304" pitchFamily="18" charset="0"/>
+                          <a:cs typeface="Times New Roman" panose="02020603050405020304" pitchFamily="18" charset="0"/>
+                        </a:rPr>
+                        <a:t>アプリアイコン</a:t>
+                      </a:r>
+                      <a:endParaRPr kumimoji="1" lang="ja-JP" altLang="en-US" sz="4400" dirty="0">
+                        <a:latin typeface="Times New Roman" panose="02020603050405020304" pitchFamily="18" charset="0"/>
+                        <a:cs typeface="Times New Roman" panose="02020603050405020304" pitchFamily="18" charset="0"/>
+                      </a:endParaRPr>
+                    </a:p>
+                  </a:txBody>
+                  <a:tcPr/>
+                </a:tc>
+                <a:tc>
+                  <a:txBody>
+                    <a:bodyPr/>
+                    <a:lstStyle/>
+                    <a:p>
+                      <a:r>
                         <a:rPr kumimoji="1" lang="en-US" altLang="ja-JP" sz="4400" dirty="0" smtClean="0">
                           <a:latin typeface="Times New Roman" panose="02020603050405020304" pitchFamily="18" charset="0"/>
                           <a:cs typeface="Times New Roman" panose="02020603050405020304" pitchFamily="18" charset="0"/>
@@ -6748,46 +6826,6 @@
                           <a:cs typeface="Times New Roman" panose="02020603050405020304" pitchFamily="18" charset="0"/>
                         </a:rPr>
                         <a:t>Backup</a:t>
-                      </a:r>
-                      <a:endParaRPr kumimoji="1" lang="ja-JP" altLang="en-US" sz="4400" dirty="0">
-                        <a:latin typeface="Times New Roman" panose="02020603050405020304" pitchFamily="18" charset="0"/>
-                        <a:cs typeface="Times New Roman" panose="02020603050405020304" pitchFamily="18" charset="0"/>
-                      </a:endParaRPr>
-                    </a:p>
-                  </a:txBody>
-                  <a:tcPr/>
-                </a:tc>
-                <a:tc>
-                  <a:txBody>
-                    <a:bodyPr/>
-                    <a:lstStyle/>
-                    <a:p>
-                      <a:r>
-                        <a:rPr kumimoji="1" lang="ja-JP" altLang="en-US" sz="4400" dirty="0" smtClean="0">
-                          <a:latin typeface="Times New Roman" panose="02020603050405020304" pitchFamily="18" charset="0"/>
-                          <a:cs typeface="Times New Roman" panose="02020603050405020304" pitchFamily="18" charset="0"/>
-                        </a:rPr>
-                        <a:t>アニメ全話無料</a:t>
-                      </a:r>
-                      <a:endParaRPr kumimoji="1" lang="ja-JP" altLang="en-US" sz="4400" dirty="0">
-                        <a:latin typeface="Times New Roman" panose="02020603050405020304" pitchFamily="18" charset="0"/>
-                        <a:cs typeface="Times New Roman" panose="02020603050405020304" pitchFamily="18" charset="0"/>
-                      </a:endParaRPr>
-                    </a:p>
-                  </a:txBody>
-                  <a:tcPr/>
-                </a:tc>
-                <a:tc>
-                  <a:txBody>
-                    <a:bodyPr/>
-                    <a:lstStyle/>
-                    <a:p>
-                      <a:r>
-                        <a:rPr kumimoji="1" lang="ja-JP" altLang="en-US" sz="4400" dirty="0" smtClean="0">
-                          <a:latin typeface="Times New Roman" panose="02020603050405020304" pitchFamily="18" charset="0"/>
-                          <a:cs typeface="Times New Roman" panose="02020603050405020304" pitchFamily="18" charset="0"/>
-                        </a:rPr>
-                        <a:t>アプリアイコン</a:t>
                       </a:r>
                       <a:endParaRPr kumimoji="1" lang="ja-JP" altLang="en-US" sz="4400" dirty="0">
                         <a:latin typeface="Times New Roman" panose="02020603050405020304" pitchFamily="18" charset="0"/>
@@ -6825,6 +6863,66 @@
                     <a:lstStyle/>
                     <a:p>
                       <a:r>
+                        <a:rPr kumimoji="1" lang="ja-JP" altLang="en-US" sz="4400" dirty="0" smtClean="0">
+                          <a:latin typeface="Times New Roman" panose="02020603050405020304" pitchFamily="18" charset="0"/>
+                          <a:cs typeface="Times New Roman" panose="02020603050405020304" pitchFamily="18" charset="0"/>
+                        </a:rPr>
+                        <a:t>怪盗グルーの</a:t>
+                      </a:r>
+                      <a:endParaRPr kumimoji="1" lang="en-US" altLang="ja-JP" sz="4400" dirty="0" smtClean="0">
+                        <a:latin typeface="Times New Roman" panose="02020603050405020304" pitchFamily="18" charset="0"/>
+                        <a:cs typeface="Times New Roman" panose="02020603050405020304" pitchFamily="18" charset="0"/>
+                      </a:endParaRPr>
+                    </a:p>
+                    <a:p>
+                      <a:r>
+                        <a:rPr kumimoji="1" lang="ja-JP" altLang="en-US" sz="4400" dirty="0" smtClean="0">
+                          <a:latin typeface="Times New Roman" panose="02020603050405020304" pitchFamily="18" charset="0"/>
+                          <a:cs typeface="Times New Roman" panose="02020603050405020304" pitchFamily="18" charset="0"/>
+                        </a:rPr>
+                        <a:t>ミニオンラッシュ</a:t>
+                      </a:r>
+                      <a:endParaRPr kumimoji="1" lang="ja-JP" altLang="en-US" sz="4400" dirty="0">
+                        <a:latin typeface="Times New Roman" panose="02020603050405020304" pitchFamily="18" charset="0"/>
+                        <a:cs typeface="Times New Roman" panose="02020603050405020304" pitchFamily="18" charset="0"/>
+                      </a:endParaRPr>
+                    </a:p>
+                  </a:txBody>
+                  <a:tcPr/>
+                </a:tc>
+                <a:tc>
+                  <a:txBody>
+                    <a:bodyPr/>
+                    <a:lstStyle/>
+                    <a:p>
+                      <a:r>
+                        <a:rPr kumimoji="1" lang="ja-JP" altLang="en-US" sz="4400" dirty="0" smtClean="0">
+                          <a:latin typeface="Times New Roman" panose="02020603050405020304" pitchFamily="18" charset="0"/>
+                          <a:cs typeface="Times New Roman" panose="02020603050405020304" pitchFamily="18" charset="0"/>
+                        </a:rPr>
+                        <a:t>激狩</a:t>
+                      </a:r>
+                      <a:r>
+                        <a:rPr kumimoji="1" lang="en-US" altLang="ja-JP" sz="4400" dirty="0" smtClean="0">
+                          <a:latin typeface="Times New Roman" panose="02020603050405020304" pitchFamily="18" charset="0"/>
+                          <a:cs typeface="Times New Roman" panose="02020603050405020304" pitchFamily="18" charset="0"/>
+                        </a:rPr>
+                        <a:t>4</a:t>
+                      </a:r>
+                      <a:endParaRPr kumimoji="1" lang="ja-JP" altLang="en-US" sz="4400" dirty="0">
+                        <a:latin typeface="Times New Roman" panose="02020603050405020304" pitchFamily="18" charset="0"/>
+                        <a:cs typeface="Times New Roman" panose="02020603050405020304" pitchFamily="18" charset="0"/>
+                      </a:endParaRPr>
+                    </a:p>
+                  </a:txBody>
+                  <a:tcPr/>
+                </a:tc>
+                <a:tc>
+                  <a:txBody>
+                    <a:bodyPr/>
+                    <a:lstStyle/>
+                    <a:p>
+                      <a:r>
                         <a:rPr kumimoji="1" lang="en-US" altLang="ja-JP" sz="4400" dirty="0" err="1" smtClean="0">
                           <a:latin typeface="Times New Roman" panose="02020603050405020304" pitchFamily="18" charset="0"/>
                           <a:cs typeface="Times New Roman" panose="02020603050405020304" pitchFamily="18" charset="0"/>
@@ -6877,66 +6975,6 @@
                           <a:cs typeface="Times New Roman" panose="02020603050405020304" pitchFamily="18" charset="0"/>
                         </a:rPr>
                         <a:t>拡張</a:t>
-                      </a:r>
-                      <a:endParaRPr kumimoji="1" lang="ja-JP" altLang="en-US" sz="4400" dirty="0">
-                        <a:latin typeface="Times New Roman" panose="02020603050405020304" pitchFamily="18" charset="0"/>
-                        <a:cs typeface="Times New Roman" panose="02020603050405020304" pitchFamily="18" charset="0"/>
-                      </a:endParaRPr>
-                    </a:p>
-                  </a:txBody>
-                  <a:tcPr/>
-                </a:tc>
-                <a:tc>
-                  <a:txBody>
-                    <a:bodyPr/>
-                    <a:lstStyle/>
-                    <a:p>
-                      <a:r>
-                        <a:rPr kumimoji="1" lang="ja-JP" altLang="en-US" sz="4400" dirty="0" smtClean="0">
-                          <a:latin typeface="Times New Roman" panose="02020603050405020304" pitchFamily="18" charset="0"/>
-                          <a:cs typeface="Times New Roman" panose="02020603050405020304" pitchFamily="18" charset="0"/>
-                        </a:rPr>
-                        <a:t>怪盗グルーの</a:t>
-                      </a:r>
-                      <a:endParaRPr kumimoji="1" lang="en-US" altLang="ja-JP" sz="4400" dirty="0" smtClean="0">
-                        <a:latin typeface="Times New Roman" panose="02020603050405020304" pitchFamily="18" charset="0"/>
-                        <a:cs typeface="Times New Roman" panose="02020603050405020304" pitchFamily="18" charset="0"/>
-                      </a:endParaRPr>
-                    </a:p>
-                    <a:p>
-                      <a:r>
-                        <a:rPr kumimoji="1" lang="ja-JP" altLang="en-US" sz="4400" dirty="0" smtClean="0">
-                          <a:latin typeface="Times New Roman" panose="02020603050405020304" pitchFamily="18" charset="0"/>
-                          <a:cs typeface="Times New Roman" panose="02020603050405020304" pitchFamily="18" charset="0"/>
-                        </a:rPr>
-                        <a:t>ミニオンラッシュ</a:t>
-                      </a:r>
-                      <a:endParaRPr kumimoji="1" lang="ja-JP" altLang="en-US" sz="4400" dirty="0">
-                        <a:latin typeface="Times New Roman" panose="02020603050405020304" pitchFamily="18" charset="0"/>
-                        <a:cs typeface="Times New Roman" panose="02020603050405020304" pitchFamily="18" charset="0"/>
-                      </a:endParaRPr>
-                    </a:p>
-                  </a:txBody>
-                  <a:tcPr/>
-                </a:tc>
-                <a:tc>
-                  <a:txBody>
-                    <a:bodyPr/>
-                    <a:lstStyle/>
-                    <a:p>
-                      <a:r>
-                        <a:rPr kumimoji="1" lang="ja-JP" altLang="en-US" sz="4400" dirty="0" smtClean="0">
-                          <a:latin typeface="Times New Roman" panose="02020603050405020304" pitchFamily="18" charset="0"/>
-                          <a:cs typeface="Times New Roman" panose="02020603050405020304" pitchFamily="18" charset="0"/>
-                        </a:rPr>
-                        <a:t>激狩</a:t>
-                      </a:r>
-                      <a:r>
-                        <a:rPr kumimoji="1" lang="en-US" altLang="ja-JP" sz="4400" dirty="0" smtClean="0">
-                          <a:latin typeface="Times New Roman" panose="02020603050405020304" pitchFamily="18" charset="0"/>
-                          <a:cs typeface="Times New Roman" panose="02020603050405020304" pitchFamily="18" charset="0"/>
-                        </a:rPr>
-                        <a:t>4</a:t>
                       </a:r>
                       <a:endParaRPr kumimoji="1" lang="ja-JP" altLang="en-US" sz="4400" dirty="0">
                         <a:latin typeface="Times New Roman" panose="02020603050405020304" pitchFamily="18" charset="0"/>
@@ -6974,10 +7012,73 @@
                     <a:lstStyle/>
                     <a:p>
                       <a:r>
+                        <a:rPr kumimoji="1" lang="ja-JP" altLang="en-US" sz="4400" dirty="0" smtClean="0">
+                          <a:latin typeface="Times New Roman" panose="02020603050405020304" pitchFamily="18" charset="0"/>
+                          <a:cs typeface="Times New Roman" panose="02020603050405020304" pitchFamily="18" charset="0"/>
+                        </a:rPr>
+                        <a:t>無料で音楽聞き放題</a:t>
+                      </a:r>
+                      <a:endParaRPr kumimoji="1" lang="ja-JP" altLang="en-US" sz="4400" dirty="0">
+                        <a:latin typeface="Times New Roman" panose="02020603050405020304" pitchFamily="18" charset="0"/>
+                        <a:cs typeface="Times New Roman" panose="02020603050405020304" pitchFamily="18" charset="0"/>
+                      </a:endParaRPr>
+                    </a:p>
+                  </a:txBody>
+                  <a:tcPr/>
+                </a:tc>
+                <a:tc>
+                  <a:txBody>
+                    <a:bodyPr/>
+                    <a:lstStyle/>
+                    <a:p>
+                      <a:r>
                         <a:rPr kumimoji="1" lang="en-US" altLang="ja-JP" sz="4400" dirty="0" smtClean="0">
                           <a:latin typeface="Times New Roman" panose="02020603050405020304" pitchFamily="18" charset="0"/>
                           <a:cs typeface="Times New Roman" panose="02020603050405020304" pitchFamily="18" charset="0"/>
                         </a:rPr>
+                        <a:t>ONE</a:t>
+                      </a:r>
+                      <a:r>
+                        <a:rPr kumimoji="1" lang="ja-JP" altLang="en-US" sz="4400" dirty="0" smtClean="0">
+                          <a:latin typeface="Times New Roman" panose="02020603050405020304" pitchFamily="18" charset="0"/>
+                          <a:cs typeface="Times New Roman" panose="02020603050405020304" pitchFamily="18" charset="0"/>
+                        </a:rPr>
+                        <a:t>　</a:t>
+                      </a:r>
+                      <a:r>
+                        <a:rPr kumimoji="1" lang="en-US" altLang="ja-JP" sz="4400" dirty="0" smtClean="0">
+                          <a:latin typeface="Times New Roman" panose="02020603050405020304" pitchFamily="18" charset="0"/>
+                          <a:cs typeface="Times New Roman" panose="02020603050405020304" pitchFamily="18" charset="0"/>
+                        </a:rPr>
+                        <a:t>PIECE</a:t>
+                      </a:r>
+                    </a:p>
+                    <a:p>
+                      <a:r>
+                        <a:rPr kumimoji="1" lang="en-US" altLang="ja-JP" sz="4400" dirty="0" smtClean="0">
+                          <a:latin typeface="Times New Roman" panose="02020603050405020304" pitchFamily="18" charset="0"/>
+                          <a:cs typeface="Times New Roman" panose="02020603050405020304" pitchFamily="18" charset="0"/>
+                        </a:rPr>
+                        <a:t>RUNNING</a:t>
+                      </a:r>
+                      <a:endParaRPr kumimoji="1" lang="ja-JP" altLang="en-US" sz="4400" dirty="0">
+                        <a:latin typeface="Times New Roman" panose="02020603050405020304" pitchFamily="18" charset="0"/>
+                        <a:cs typeface="Times New Roman" panose="02020603050405020304" pitchFamily="18" charset="0"/>
+                      </a:endParaRPr>
+                    </a:p>
+                  </a:txBody>
+                  <a:tcPr/>
+                </a:tc>
+                <a:tc>
+                  <a:txBody>
+                    <a:bodyPr/>
+                    <a:lstStyle/>
+                    <a:p>
+                      <a:r>
+                        <a:rPr kumimoji="1" lang="en-US" altLang="ja-JP" sz="4400" dirty="0" smtClean="0">
+                          <a:latin typeface="Times New Roman" panose="02020603050405020304" pitchFamily="18" charset="0"/>
+                          <a:cs typeface="Times New Roman" panose="02020603050405020304" pitchFamily="18" charset="0"/>
+                        </a:rPr>
                         <a:t>DEER</a:t>
                       </a:r>
                       <a:r>
@@ -7015,69 +7116,6 @@
                           <a:cs typeface="Times New Roman" panose="02020603050405020304" pitchFamily="18" charset="0"/>
                         </a:rPr>
                         <a:t>スロット機</a:t>
-                      </a:r>
-                      <a:endParaRPr kumimoji="1" lang="ja-JP" altLang="en-US" sz="4400" dirty="0">
-                        <a:latin typeface="Times New Roman" panose="02020603050405020304" pitchFamily="18" charset="0"/>
-                        <a:cs typeface="Times New Roman" panose="02020603050405020304" pitchFamily="18" charset="0"/>
-                      </a:endParaRPr>
-                    </a:p>
-                  </a:txBody>
-                  <a:tcPr/>
-                </a:tc>
-                <a:tc>
-                  <a:txBody>
-                    <a:bodyPr/>
-                    <a:lstStyle/>
-                    <a:p>
-                      <a:r>
-                        <a:rPr kumimoji="1" lang="ja-JP" altLang="en-US" sz="4400" dirty="0" smtClean="0">
-                          <a:latin typeface="Times New Roman" panose="02020603050405020304" pitchFamily="18" charset="0"/>
-                          <a:cs typeface="Times New Roman" panose="02020603050405020304" pitchFamily="18" charset="0"/>
-                        </a:rPr>
-                        <a:t>無料で音楽聞き放題</a:t>
-                      </a:r>
-                      <a:endParaRPr kumimoji="1" lang="ja-JP" altLang="en-US" sz="4400" dirty="0">
-                        <a:latin typeface="Times New Roman" panose="02020603050405020304" pitchFamily="18" charset="0"/>
-                        <a:cs typeface="Times New Roman" panose="02020603050405020304" pitchFamily="18" charset="0"/>
-                      </a:endParaRPr>
-                    </a:p>
-                  </a:txBody>
-                  <a:tcPr/>
-                </a:tc>
-                <a:tc>
-                  <a:txBody>
-                    <a:bodyPr/>
-                    <a:lstStyle/>
-                    <a:p>
-                      <a:r>
-                        <a:rPr kumimoji="1" lang="en-US" altLang="ja-JP" sz="4400" dirty="0" smtClean="0">
-                          <a:latin typeface="Times New Roman" panose="02020603050405020304" pitchFamily="18" charset="0"/>
-                          <a:cs typeface="Times New Roman" panose="02020603050405020304" pitchFamily="18" charset="0"/>
-                        </a:rPr>
-                        <a:t>ONE</a:t>
-                      </a:r>
-                      <a:r>
-                        <a:rPr kumimoji="1" lang="ja-JP" altLang="en-US" sz="4400" dirty="0" smtClean="0">
-                          <a:latin typeface="Times New Roman" panose="02020603050405020304" pitchFamily="18" charset="0"/>
-                          <a:cs typeface="Times New Roman" panose="02020603050405020304" pitchFamily="18" charset="0"/>
-                        </a:rPr>
-                        <a:t>　</a:t>
-                      </a:r>
-                      <a:r>
-                        <a:rPr kumimoji="1" lang="en-US" altLang="ja-JP" sz="4400" dirty="0" smtClean="0">
-                          <a:latin typeface="Times New Roman" panose="02020603050405020304" pitchFamily="18" charset="0"/>
-                          <a:cs typeface="Times New Roman" panose="02020603050405020304" pitchFamily="18" charset="0"/>
-                        </a:rPr>
-                        <a:t>PIECE</a:t>
-                      </a:r>
-                    </a:p>
-                    <a:p>
-                      <a:r>
-                        <a:rPr kumimoji="1" lang="en-US" altLang="ja-JP" sz="4400" dirty="0" smtClean="0">
-                          <a:latin typeface="Times New Roman" panose="02020603050405020304" pitchFamily="18" charset="0"/>
-                          <a:cs typeface="Times New Roman" panose="02020603050405020304" pitchFamily="18" charset="0"/>
-                        </a:rPr>
-                        <a:t>RUNNING</a:t>
                       </a:r>
                       <a:endParaRPr kumimoji="1" lang="ja-JP" altLang="en-US" sz="4400" dirty="0">
                         <a:latin typeface="Times New Roman" panose="02020603050405020304" pitchFamily="18" charset="0"/>
@@ -7254,7 +7292,6 @@
               <a:rPr lang="ja-JP" altLang="en-US" sz="4800" dirty="0"/>
               <a:t>どのような自動取得プログラムが最適なのか・上位にあるアプリのランキングとレビューの関係性を調査する．</a:t>
             </a:r>
-            <a:endParaRPr lang="ja-JP" altLang="en-US" sz="4800" dirty="0"/>
           </a:p>
         </p:txBody>
       </p:sp>

--- a/卒業論文/2012/増田知之/卒論中間.pptx
+++ b/卒業論文/2012/増田知之/卒論中間.pptx
@@ -4500,16 +4500,7 @@
                 </a:solidFill>
                 <a:latin typeface="+mn-ea"/>
               </a:rPr>
-              <a:t>アプリ</a:t>
-            </a:r>
-            <a:r>
-              <a:rPr lang="ja-JP" altLang="en-US" sz="4800" dirty="0" smtClean="0">
-                <a:solidFill>
-                  <a:schemeClr val="tx1"/>
-                </a:solidFill>
-                <a:latin typeface="+mn-ea"/>
-              </a:rPr>
-              <a:t>開発の</a:t>
+              <a:t>アプリ開発の</a:t>
             </a:r>
             <a:r>
               <a:rPr lang="ja-JP" altLang="en-US" sz="5400" dirty="0" smtClean="0">
@@ -4863,19 +4854,7 @@
                           <a:ea typeface="+mn-ea"/>
                           <a:cs typeface="Times New Roman" panose="02020603050405020304" pitchFamily="18" charset="0"/>
                         </a:rPr>
-                        <a:t>レビューのデータを取得する方法を確認</a:t>
-                      </a:r>
-                      <a:r>
-                        <a:rPr kumimoji="1" lang="ja-JP" altLang="ja-JP" sz="4400" kern="1200" dirty="0" smtClean="0">
-                          <a:solidFill>
-                            <a:schemeClr val="dk1"/>
-                          </a:solidFill>
-                          <a:effectLst/>
-                          <a:latin typeface="Times New Roman" panose="02020603050405020304" pitchFamily="18" charset="0"/>
-                          <a:ea typeface="+mn-ea"/>
-                          <a:cs typeface="Times New Roman" panose="02020603050405020304" pitchFamily="18" charset="0"/>
-                        </a:rPr>
-                        <a:t>する</a:t>
+                        <a:t>レビューのデータを取得する方法を確認する</a:t>
                       </a:r>
                       <a:r>
                         <a:rPr kumimoji="1" lang="ja-JP" altLang="en-US" sz="4400" kern="1200" dirty="0" smtClean="0">
@@ -4968,19 +4947,7 @@
                           <a:ea typeface="+mn-ea"/>
                           <a:cs typeface="Times New Roman" panose="02020603050405020304" pitchFamily="18" charset="0"/>
                         </a:rPr>
-                        <a:t>ランキングとレビューを自動的に取得するプログラムを開発し，データを取得</a:t>
-                      </a:r>
-                      <a:r>
-                        <a:rPr kumimoji="1" lang="ja-JP" altLang="ja-JP" sz="4400" kern="1200" dirty="0" smtClean="0">
-                          <a:solidFill>
-                            <a:schemeClr val="dk1"/>
-                          </a:solidFill>
-                          <a:effectLst/>
-                          <a:latin typeface="Times New Roman" panose="02020603050405020304" pitchFamily="18" charset="0"/>
-                          <a:ea typeface="+mn-ea"/>
-                          <a:cs typeface="Times New Roman" panose="02020603050405020304" pitchFamily="18" charset="0"/>
-                        </a:rPr>
-                        <a:t>する</a:t>
+                        <a:t>ランキングとレビューを自動的に取得するプログラムを開発し，データを取得する</a:t>
                       </a:r>
                       <a:r>
                         <a:rPr kumimoji="1" lang="ja-JP" altLang="en-US" sz="4400" kern="1200" dirty="0" smtClean="0">
@@ -7211,8 +7178,8 @@
               <a:buAutoNum type="arabicPeriod"/>
             </a:pPr>
             <a:r>
-              <a:rPr lang="ja-JP" altLang="en-US" sz="4800" dirty="0"/>
-              <a:t>　「</a:t>
+              <a:rPr lang="ja-JP" altLang="en-US" sz="4800" dirty="0" smtClean="0"/>
+              <a:t>「</a:t>
             </a:r>
             <a:r>
               <a:rPr lang="en-US" altLang="ja-JP" sz="4800" dirty="0"/>
